--- a/Proiect SD-Algoritmi de sortare.pptx
+++ b/Proiect SD-Algoritmi de sortare.pptx
@@ -8,6 +8,8 @@
     <p:sldId id="256" r:id="rId2"/>
     <p:sldId id="257" r:id="rId3"/>
     <p:sldId id="258" r:id="rId4"/>
+    <p:sldId id="259" r:id="rId5"/>
+    <p:sldId id="260" r:id="rId6"/>
   </p:sldIdLst>
   <p:sldSz cx="12192000" cy="6858000"/>
   <p:notesSz cx="6858000" cy="9144000"/>
@@ -106,6 +108,11 @@
       </a:defRPr>
     </a:lvl9pPr>
   </p:defaultTextStyle>
+  <p:extLst>
+    <p:ext uri="{EFAFB233-063F-42B5-8137-9DF3F51BA10A}">
+      <p15:sldGuideLst xmlns:p15="http://schemas.microsoft.com/office/powerpoint/2012/main"/>
+    </p:ext>
+  </p:extLst>
 </p:presentation>
 </file>
 
@@ -4432,8 +4439,8 @@
         </p:nvSpPr>
         <p:spPr>
           <a:xfrm>
-            <a:off x="1261872" y="365760"/>
-            <a:ext cx="9692640" cy="622781"/>
+            <a:off x="1274393" y="621132"/>
+            <a:ext cx="8619250" cy="622781"/>
           </a:xfrm>
         </p:spPr>
         <p:txBody>
@@ -4502,14 +4509,14 @@
             <p:ph idx="1"/>
             <p:extLst>
               <p:ext uri="{D42A27DB-BD31-4B8C-83A1-F6EECF244321}">
-                <p14:modId xmlns:p14="http://schemas.microsoft.com/office/powerpoint/2010/main" val="2857452269"/>
+                <p14:modId xmlns:p14="http://schemas.microsoft.com/office/powerpoint/2010/main" val="3065171314"/>
               </p:ext>
             </p:extLst>
           </p:nvPr>
         </p:nvGraphicFramePr>
         <p:xfrm>
-          <a:off x="1262063" y="1828800"/>
-          <a:ext cx="8594724" cy="3914001"/>
+          <a:off x="2703685" y="1869989"/>
+          <a:ext cx="5729816" cy="3914001"/>
         </p:xfrm>
         <a:graphic>
           <a:graphicData uri="http://schemas.openxmlformats.org/drawingml/2006/table">
@@ -4529,13 +4536,6 @@
                   <a:extLst>
                     <a:ext uri="{9D8B030D-6E8A-4147-A177-3AD203B41FA5}">
                       <a16:colId xmlns:a16="http://schemas.microsoft.com/office/drawing/2014/main" val="3215275677"/>
-                    </a:ext>
-                  </a:extLst>
-                </a:gridCol>
-                <a:gridCol w="2864908">
-                  <a:extLst>
-                    <a:ext uri="{9D8B030D-6E8A-4147-A177-3AD203B41FA5}">
-                      <a16:colId xmlns:a16="http://schemas.microsoft.com/office/drawing/2014/main" val="2672112072"/>
                     </a:ext>
                   </a:extLst>
                 </a:gridCol>
@@ -4580,20 +4580,6 @@
                   </a:txBody>
                   <a:tcPr/>
                 </a:tc>
-                <a:tc>
-                  <a:txBody>
-                    <a:bodyPr/>
-                    <a:lstStyle/>
-                    <a:p>
-                      <a:r>
-                        <a:rPr lang="en-US" dirty="0" err="1"/>
-                        <a:t>Spatiu</a:t>
-                      </a:r>
-                      <a:endParaRPr lang="en-US" dirty="0"/>
-                    </a:p>
-                  </a:txBody>
-                  <a:tcPr/>
-                </a:tc>
                 <a:extLst>
                   <a:ext uri="{0D108BD9-81ED-4DB2-BD59-A6C34878D82A}">
                     <a16:rowId xmlns:a16="http://schemas.microsoft.com/office/drawing/2014/main" val="540931762"/>
@@ -4619,17 +4605,10 @@
                     <a:bodyPr/>
                     <a:lstStyle/>
                     <a:p>
-                      <a:endParaRPr lang="en-US" dirty="0"/>
-                    </a:p>
-                  </a:txBody>
-                  <a:tcPr/>
-                </a:tc>
-                <a:tc>
-                  <a:txBody>
-                    <a:bodyPr/>
-                    <a:lstStyle/>
-                    <a:p>
-                      <a:endParaRPr lang="en-US"/>
+                      <a:r>
+                        <a:rPr lang="en-US" dirty="0"/>
+                        <a:t>65</a:t>
+                      </a:r>
                     </a:p>
                   </a:txBody>
                   <a:tcPr/>
@@ -4659,17 +4638,10 @@
                     <a:bodyPr/>
                     <a:lstStyle/>
                     <a:p>
-                      <a:endParaRPr lang="en-US"/>
-                    </a:p>
-                  </a:txBody>
-                  <a:tcPr/>
-                </a:tc>
-                <a:tc>
-                  <a:txBody>
-                    <a:bodyPr/>
-                    <a:lstStyle/>
-                    <a:p>
-                      <a:endParaRPr lang="en-US"/>
+                      <a:r>
+                        <a:rPr lang="en-US" dirty="0"/>
+                        <a:t>8</a:t>
+                      </a:r>
                     </a:p>
                   </a:txBody>
                   <a:tcPr/>
@@ -4699,17 +4671,27 @@
                     <a:bodyPr/>
                     <a:lstStyle/>
                     <a:p>
-                      <a:endParaRPr lang="en-US"/>
-                    </a:p>
-                  </a:txBody>
-                  <a:tcPr/>
-                </a:tc>
-                <a:tc>
-                  <a:txBody>
-                    <a:bodyPr/>
-                    <a:lstStyle/>
-                    <a:p>
-                      <a:endParaRPr lang="en-US"/>
+                      <a:pPr marL="0" marR="0" lvl="0" indent="0" algn="l" defTabSz="914400" rtl="0" eaLnBrk="1" fontAlgn="auto" latinLnBrk="0" hangingPunct="1">
+                        <a:lnSpc>
+                          <a:spcPct val="100000"/>
+                        </a:lnSpc>
+                        <a:spcBef>
+                          <a:spcPts val="0"/>
+                        </a:spcBef>
+                        <a:spcAft>
+                          <a:spcPts val="0"/>
+                        </a:spcAft>
+                        <a:buClrTx/>
+                        <a:buSzTx/>
+                        <a:buFontTx/>
+                        <a:buNone/>
+                        <a:tabLst/>
+                        <a:defRPr/>
+                      </a:pPr>
+                      <a:r>
+                        <a:rPr lang="en-US" dirty="0"/>
+                        <a:t>281</a:t>
+                      </a:r>
                     </a:p>
                   </a:txBody>
                   <a:tcPr/>
@@ -4739,17 +4721,10 @@
                     <a:bodyPr/>
                     <a:lstStyle/>
                     <a:p>
-                      <a:endParaRPr lang="en-US"/>
-                    </a:p>
-                  </a:txBody>
-                  <a:tcPr/>
-                </a:tc>
-                <a:tc>
-                  <a:txBody>
-                    <a:bodyPr/>
-                    <a:lstStyle/>
-                    <a:p>
-                      <a:endParaRPr lang="en-US"/>
+                      <a:r>
+                        <a:rPr lang="en-US" dirty="0"/>
+                        <a:t>B10: 118 ; B16: 79</a:t>
+                      </a:r>
                     </a:p>
                   </a:txBody>
                   <a:tcPr/>
@@ -4779,17 +4754,10 @@
                     <a:bodyPr/>
                     <a:lstStyle/>
                     <a:p>
-                      <a:endParaRPr lang="en-US"/>
-                    </a:p>
-                  </a:txBody>
-                  <a:tcPr/>
-                </a:tc>
-                <a:tc>
-                  <a:txBody>
-                    <a:bodyPr/>
-                    <a:lstStyle/>
-                    <a:p>
-                      <a:endParaRPr lang="en-US"/>
+                      <a:r>
+                        <a:rPr lang="en-US" dirty="0"/>
+                        <a:t>70</a:t>
+                      </a:r>
                     </a:p>
                   </a:txBody>
                   <a:tcPr/>
@@ -4820,17 +4788,10 @@
                     <a:bodyPr/>
                     <a:lstStyle/>
                     <a:p>
-                      <a:endParaRPr lang="en-US"/>
-                    </a:p>
-                  </a:txBody>
-                  <a:tcPr/>
-                </a:tc>
-                <a:tc>
-                  <a:txBody>
-                    <a:bodyPr/>
-                    <a:lstStyle/>
-                    <a:p>
-                      <a:endParaRPr lang="en-US" dirty="0"/>
+                      <a:r>
+                        <a:rPr lang="en-US" dirty="0"/>
+                        <a:t>71</a:t>
+                      </a:r>
                     </a:p>
                   </a:txBody>
                   <a:tcPr/>
@@ -4849,6 +4810,656 @@
     <p:extLst>
       <p:ext uri="{BB962C8B-B14F-4D97-AF65-F5344CB8AC3E}">
         <p14:creationId xmlns:p14="http://schemas.microsoft.com/office/powerpoint/2010/main" val="4108582474"/>
+      </p:ext>
+    </p:extLst>
+  </p:cSld>
+  <p:clrMapOvr>
+    <a:masterClrMapping/>
+  </p:clrMapOvr>
+</p:sld>
+</file>
+
+<file path=ppt/slides/slide4.xml><?xml version="1.0" encoding="utf-8"?>
+<p:sld xmlns:a="http://schemas.openxmlformats.org/drawingml/2006/main" xmlns:r="http://schemas.openxmlformats.org/officeDocument/2006/relationships" xmlns:p="http://schemas.openxmlformats.org/presentationml/2006/main">
+  <p:cSld>
+    <p:spTree>
+      <p:nvGrpSpPr>
+        <p:cNvPr id="1" name=""/>
+        <p:cNvGrpSpPr/>
+        <p:nvPr/>
+      </p:nvGrpSpPr>
+      <p:grpSpPr>
+        <a:xfrm>
+          <a:off x="0" y="0"/>
+          <a:ext cx="0" cy="0"/>
+          <a:chOff x="0" y="0"/>
+          <a:chExt cx="0" cy="0"/>
+        </a:xfrm>
+      </p:grpSpPr>
+      <p:sp>
+        <p:nvSpPr>
+          <p:cNvPr id="2" name="Title 1">
+            <a:extLst>
+              <a:ext uri="{FF2B5EF4-FFF2-40B4-BE49-F238E27FC236}">
+                <a16:creationId xmlns:a16="http://schemas.microsoft.com/office/drawing/2014/main" id="{5BB3411C-38E5-4868-AE05-9EF159258B38}"/>
+              </a:ext>
+            </a:extLst>
+          </p:cNvPr>
+          <p:cNvSpPr>
+            <a:spLocks noGrp="1"/>
+          </p:cNvSpPr>
+          <p:nvPr>
+            <p:ph type="title"/>
+          </p:nvPr>
+        </p:nvSpPr>
+        <p:spPr>
+          <a:xfrm>
+            <a:off x="1261872" y="1021492"/>
+            <a:ext cx="8681198" cy="669830"/>
+          </a:xfrm>
+        </p:spPr>
+        <p:txBody>
+          <a:bodyPr>
+            <a:normAutofit/>
+          </a:bodyPr>
+          <a:lstStyle/>
+          <a:p>
+            <a:r>
+              <a:rPr lang="en-US" sz="3600" b="1" dirty="0">
+                <a:latin typeface="Liberation Sans" pitchFamily="18"/>
+                <a:ea typeface="Microsoft YaHei" pitchFamily="2"/>
+                <a:cs typeface="Mangal" pitchFamily="2"/>
+              </a:rPr>
+              <a:t>Test 2: Length =</a:t>
+            </a:r>
+            <a:r>
+              <a:rPr lang="en-US" sz="3600" dirty="0">
+                <a:latin typeface="Liberation Sans" pitchFamily="18"/>
+                <a:ea typeface="Microsoft YaHei" pitchFamily="2"/>
+                <a:cs typeface="Mangal" pitchFamily="2"/>
+              </a:rPr>
+              <a:t> </a:t>
+            </a:r>
+            <a:r>
+              <a:rPr lang="en-US" sz="3600" b="1" dirty="0">
+                <a:latin typeface="Liberation Sans" pitchFamily="18"/>
+                <a:ea typeface="Microsoft YaHei" pitchFamily="2"/>
+                <a:cs typeface="Mangal" pitchFamily="2"/>
+              </a:rPr>
+              <a:t>10 ^ 3, </a:t>
+            </a:r>
+            <a:r>
+              <a:rPr lang="en-US" sz="3600" b="1" dirty="0" err="1">
+                <a:latin typeface="Liberation Sans" pitchFamily="18"/>
+                <a:ea typeface="Microsoft YaHei" pitchFamily="2"/>
+                <a:cs typeface="Mangal" pitchFamily="2"/>
+              </a:rPr>
+              <a:t>Max_nr</a:t>
+            </a:r>
+            <a:r>
+              <a:rPr lang="en-US" sz="3600" b="1" dirty="0">
+                <a:latin typeface="Liberation Sans" pitchFamily="18"/>
+                <a:ea typeface="Microsoft YaHei" pitchFamily="2"/>
+                <a:cs typeface="Mangal" pitchFamily="2"/>
+              </a:rPr>
+              <a:t> = 2^31-1</a:t>
+            </a:r>
+            <a:endParaRPr lang="en-US" sz="3600" dirty="0"/>
+          </a:p>
+        </p:txBody>
+      </p:sp>
+      <p:graphicFrame>
+        <p:nvGraphicFramePr>
+          <p:cNvPr id="5" name="Content Placeholder 4">
+            <a:extLst>
+              <a:ext uri="{FF2B5EF4-FFF2-40B4-BE49-F238E27FC236}">
+                <a16:creationId xmlns:a16="http://schemas.microsoft.com/office/drawing/2014/main" id="{B14A0D0A-3AA9-4379-B329-33A5A3F34296}"/>
+              </a:ext>
+            </a:extLst>
+          </p:cNvPr>
+          <p:cNvGraphicFramePr>
+            <a:graphicFrameLocks noGrp="1"/>
+          </p:cNvGraphicFramePr>
+          <p:nvPr>
+            <p:ph idx="1"/>
+            <p:extLst>
+              <p:ext uri="{D42A27DB-BD31-4B8C-83A1-F6EECF244321}">
+                <p14:modId xmlns:p14="http://schemas.microsoft.com/office/powerpoint/2010/main" val="1769603362"/>
+              </p:ext>
+            </p:extLst>
+          </p:nvPr>
+        </p:nvGraphicFramePr>
+        <p:xfrm>
+          <a:off x="2810776" y="2100648"/>
+          <a:ext cx="5729816" cy="4110680"/>
+        </p:xfrm>
+        <a:graphic>
+          <a:graphicData uri="http://schemas.openxmlformats.org/drawingml/2006/table">
+            <a:tbl>
+              <a:tblPr firstRow="1" bandRow="1">
+                <a:tableStyleId>{5C22544A-7EE6-4342-B048-85BDC9FD1C3A}</a:tableStyleId>
+              </a:tblPr>
+              <a:tblGrid>
+                <a:gridCol w="2864908">
+                  <a:extLst>
+                    <a:ext uri="{9D8B030D-6E8A-4147-A177-3AD203B41FA5}">
+                      <a16:colId xmlns:a16="http://schemas.microsoft.com/office/drawing/2014/main" val="3004508138"/>
+                    </a:ext>
+                  </a:extLst>
+                </a:gridCol>
+                <a:gridCol w="2864908">
+                  <a:extLst>
+                    <a:ext uri="{9D8B030D-6E8A-4147-A177-3AD203B41FA5}">
+                      <a16:colId xmlns:a16="http://schemas.microsoft.com/office/drawing/2014/main" val="2208806913"/>
+                    </a:ext>
+                  </a:extLst>
+                </a:gridCol>
+              </a:tblGrid>
+              <a:tr h="587240">
+                <a:tc>
+                  <a:txBody>
+                    <a:bodyPr/>
+                    <a:lstStyle/>
+                    <a:p>
+                      <a:r>
+                        <a:rPr lang="en-US" dirty="0" err="1"/>
+                        <a:t>Sortare</a:t>
+                      </a:r>
+                      <a:endParaRPr lang="en-US" dirty="0"/>
+                    </a:p>
+                  </a:txBody>
+                  <a:tcPr/>
+                </a:tc>
+                <a:tc>
+                  <a:txBody>
+                    <a:bodyPr/>
+                    <a:lstStyle/>
+                    <a:p>
+                      <a:r>
+                        <a:rPr lang="en-US" dirty="0" err="1"/>
+                        <a:t>Timp</a:t>
+                      </a:r>
+                      <a:r>
+                        <a:rPr lang="en-US" dirty="0"/>
+                        <a:t> (micro </a:t>
+                      </a:r>
+                      <a:r>
+                        <a:rPr lang="en-US" dirty="0" err="1"/>
+                        <a:t>secunde</a:t>
+                      </a:r>
+                      <a:r>
+                        <a:rPr lang="en-US" dirty="0"/>
+                        <a:t>)</a:t>
+                      </a:r>
+                    </a:p>
+                  </a:txBody>
+                  <a:tcPr/>
+                </a:tc>
+                <a:extLst>
+                  <a:ext uri="{0D108BD9-81ED-4DB2-BD59-A6C34878D82A}">
+                    <a16:rowId xmlns:a16="http://schemas.microsoft.com/office/drawing/2014/main" val="2319803147"/>
+                  </a:ext>
+                </a:extLst>
+              </a:tr>
+              <a:tr h="587240">
+                <a:tc>
+                  <a:txBody>
+                    <a:bodyPr/>
+                    <a:lstStyle/>
+                    <a:p>
+                      <a:pPr marL="0" marR="0" lvl="0" indent="0" algn="l" defTabSz="914400" rtl="0" eaLnBrk="1" fontAlgn="auto" latinLnBrk="0" hangingPunct="1">
+                        <a:lnSpc>
+                          <a:spcPct val="100000"/>
+                        </a:lnSpc>
+                        <a:spcBef>
+                          <a:spcPts val="0"/>
+                        </a:spcBef>
+                        <a:spcAft>
+                          <a:spcPts val="0"/>
+                        </a:spcAft>
+                        <a:buClrTx/>
+                        <a:buSzTx/>
+                        <a:buFontTx/>
+                        <a:buNone/>
+                        <a:tabLst/>
+                        <a:defRPr/>
+                      </a:pPr>
+                      <a:r>
+                        <a:rPr lang="en-US" dirty="0"/>
+                        <a:t>Merge Sort</a:t>
+                      </a:r>
+                    </a:p>
+                  </a:txBody>
+                  <a:tcPr/>
+                </a:tc>
+                <a:tc>
+                  <a:txBody>
+                    <a:bodyPr/>
+                    <a:lstStyle/>
+                    <a:p>
+                      <a:r>
+                        <a:rPr lang="en-US" dirty="0"/>
+                        <a:t>82</a:t>
+                      </a:r>
+                    </a:p>
+                  </a:txBody>
+                  <a:tcPr/>
+                </a:tc>
+                <a:extLst>
+                  <a:ext uri="{0D108BD9-81ED-4DB2-BD59-A6C34878D82A}">
+                    <a16:rowId xmlns:a16="http://schemas.microsoft.com/office/drawing/2014/main" val="674499948"/>
+                  </a:ext>
+                </a:extLst>
+              </a:tr>
+              <a:tr h="587240">
+                <a:tc>
+                  <a:txBody>
+                    <a:bodyPr/>
+                    <a:lstStyle/>
+                    <a:p>
+                      <a:pPr marL="0" marR="0" lvl="0" indent="0" algn="l" defTabSz="914400" rtl="0" eaLnBrk="1" fontAlgn="auto" latinLnBrk="0" hangingPunct="1">
+                        <a:lnSpc>
+                          <a:spcPct val="100000"/>
+                        </a:lnSpc>
+                        <a:spcBef>
+                          <a:spcPts val="0"/>
+                        </a:spcBef>
+                        <a:spcAft>
+                          <a:spcPts val="0"/>
+                        </a:spcAft>
+                        <a:buClrTx/>
+                        <a:buSzTx/>
+                        <a:buFontTx/>
+                        <a:buNone/>
+                        <a:tabLst/>
+                        <a:defRPr/>
+                      </a:pPr>
+                      <a:r>
+                        <a:rPr lang="en-US" dirty="0"/>
+                        <a:t>Count Sort</a:t>
+                      </a:r>
+                    </a:p>
+                  </a:txBody>
+                  <a:tcPr/>
+                </a:tc>
+                <a:tc>
+                  <a:txBody>
+                    <a:bodyPr/>
+                    <a:lstStyle/>
+                    <a:p>
+                      <a:r>
+                        <a:rPr lang="en-US" dirty="0"/>
+                        <a:t>Nr </a:t>
+                      </a:r>
+                      <a:r>
+                        <a:rPr lang="en-US" dirty="0" err="1"/>
+                        <a:t>prea</a:t>
+                      </a:r>
+                      <a:r>
+                        <a:rPr lang="en-US" dirty="0"/>
+                        <a:t> </a:t>
+                      </a:r>
+                      <a:r>
+                        <a:rPr lang="en-US" dirty="0" err="1"/>
+                        <a:t>mari</a:t>
+                      </a:r>
+                      <a:r>
+                        <a:rPr lang="en-US" dirty="0"/>
+                        <a:t> </a:t>
+                      </a:r>
+                      <a:r>
+                        <a:rPr lang="en-US" dirty="0">
+                          <a:sym typeface="Wingdings" panose="05000000000000000000" pitchFamily="2" charset="2"/>
+                        </a:rPr>
+                        <a:t> seg fault</a:t>
+                      </a:r>
+                      <a:endParaRPr lang="en-US" dirty="0"/>
+                    </a:p>
+                  </a:txBody>
+                  <a:tcPr/>
+                </a:tc>
+                <a:extLst>
+                  <a:ext uri="{0D108BD9-81ED-4DB2-BD59-A6C34878D82A}">
+                    <a16:rowId xmlns:a16="http://schemas.microsoft.com/office/drawing/2014/main" val="2114035907"/>
+                  </a:ext>
+                </a:extLst>
+              </a:tr>
+              <a:tr h="587240">
+                <a:tc>
+                  <a:txBody>
+                    <a:bodyPr/>
+                    <a:lstStyle/>
+                    <a:p>
+                      <a:pPr marL="0" marR="0" lvl="0" indent="0" algn="l" defTabSz="914400" rtl="0" eaLnBrk="1" fontAlgn="auto" latinLnBrk="0" hangingPunct="1">
+                        <a:lnSpc>
+                          <a:spcPct val="100000"/>
+                        </a:lnSpc>
+                        <a:spcBef>
+                          <a:spcPts val="0"/>
+                        </a:spcBef>
+                        <a:spcAft>
+                          <a:spcPts val="0"/>
+                        </a:spcAft>
+                        <a:buClrTx/>
+                        <a:buSzTx/>
+                        <a:buFontTx/>
+                        <a:buNone/>
+                        <a:tabLst/>
+                        <a:defRPr/>
+                      </a:pPr>
+                      <a:r>
+                        <a:rPr lang="en-US" dirty="0"/>
+                        <a:t>Insertion Sort</a:t>
+                      </a:r>
+                    </a:p>
+                  </a:txBody>
+                  <a:tcPr/>
+                </a:tc>
+                <a:tc>
+                  <a:txBody>
+                    <a:bodyPr/>
+                    <a:lstStyle/>
+                    <a:p>
+                      <a:r>
+                        <a:rPr lang="en-US" dirty="0"/>
+                        <a:t>274</a:t>
+                      </a:r>
+                    </a:p>
+                  </a:txBody>
+                  <a:tcPr/>
+                </a:tc>
+                <a:extLst>
+                  <a:ext uri="{0D108BD9-81ED-4DB2-BD59-A6C34878D82A}">
+                    <a16:rowId xmlns:a16="http://schemas.microsoft.com/office/drawing/2014/main" val="900916593"/>
+                  </a:ext>
+                </a:extLst>
+              </a:tr>
+              <a:tr h="587240">
+                <a:tc>
+                  <a:txBody>
+                    <a:bodyPr/>
+                    <a:lstStyle/>
+                    <a:p>
+                      <a:pPr marL="0" marR="0" lvl="0" indent="0" algn="l" defTabSz="914400" rtl="0" eaLnBrk="1" fontAlgn="auto" latinLnBrk="0" hangingPunct="1">
+                        <a:lnSpc>
+                          <a:spcPct val="100000"/>
+                        </a:lnSpc>
+                        <a:spcBef>
+                          <a:spcPts val="0"/>
+                        </a:spcBef>
+                        <a:spcAft>
+                          <a:spcPts val="0"/>
+                        </a:spcAft>
+                        <a:buClrTx/>
+                        <a:buSzTx/>
+                        <a:buFontTx/>
+                        <a:buNone/>
+                        <a:tabLst/>
+                        <a:defRPr/>
+                      </a:pPr>
+                      <a:r>
+                        <a:rPr lang="en-US" dirty="0"/>
+                        <a:t>Radix Sort</a:t>
+                      </a:r>
+                    </a:p>
+                  </a:txBody>
+                  <a:tcPr/>
+                </a:tc>
+                <a:tc>
+                  <a:txBody>
+                    <a:bodyPr/>
+                    <a:lstStyle/>
+                    <a:p>
+                      <a:r>
+                        <a:rPr lang="en-US" dirty="0"/>
+                        <a:t>B10:287 ; B16: 207</a:t>
+                      </a:r>
+                    </a:p>
+                  </a:txBody>
+                  <a:tcPr/>
+                </a:tc>
+                <a:extLst>
+                  <a:ext uri="{0D108BD9-81ED-4DB2-BD59-A6C34878D82A}">
+                    <a16:rowId xmlns:a16="http://schemas.microsoft.com/office/drawing/2014/main" val="3589269659"/>
+                  </a:ext>
+                </a:extLst>
+              </a:tr>
+              <a:tr h="587240">
+                <a:tc>
+                  <a:txBody>
+                    <a:bodyPr/>
+                    <a:lstStyle/>
+                    <a:p>
+                      <a:pPr marL="0" marR="0" lvl="0" indent="0" algn="l" defTabSz="914400" rtl="0" eaLnBrk="1" fontAlgn="auto" latinLnBrk="0" hangingPunct="1">
+                        <a:lnSpc>
+                          <a:spcPct val="100000"/>
+                        </a:lnSpc>
+                        <a:spcBef>
+                          <a:spcPts val="0"/>
+                        </a:spcBef>
+                        <a:spcAft>
+                          <a:spcPts val="0"/>
+                        </a:spcAft>
+                        <a:buClrTx/>
+                        <a:buSzTx/>
+                        <a:buFontTx/>
+                        <a:buNone/>
+                        <a:tabLst/>
+                        <a:defRPr/>
+                      </a:pPr>
+                      <a:r>
+                        <a:rPr lang="en-US" dirty="0"/>
+                        <a:t>Shell Sort</a:t>
+                      </a:r>
+                    </a:p>
+                  </a:txBody>
+                  <a:tcPr/>
+                </a:tc>
+                <a:tc>
+                  <a:txBody>
+                    <a:bodyPr/>
+                    <a:lstStyle/>
+                    <a:p>
+                      <a:r>
+                        <a:rPr lang="en-US" dirty="0"/>
+                        <a:t>72</a:t>
+                      </a:r>
+                    </a:p>
+                  </a:txBody>
+                  <a:tcPr/>
+                </a:tc>
+                <a:extLst>
+                  <a:ext uri="{0D108BD9-81ED-4DB2-BD59-A6C34878D82A}">
+                    <a16:rowId xmlns:a16="http://schemas.microsoft.com/office/drawing/2014/main" val="2750109931"/>
+                  </a:ext>
+                </a:extLst>
+              </a:tr>
+              <a:tr h="587240">
+                <a:tc>
+                  <a:txBody>
+                    <a:bodyPr/>
+                    <a:lstStyle/>
+                    <a:p>
+                      <a:pPr marL="0" marR="0" lvl="0" indent="0" algn="l" defTabSz="914400" rtl="0" eaLnBrk="1" fontAlgn="auto" latinLnBrk="0" hangingPunct="1">
+                        <a:lnSpc>
+                          <a:spcPct val="100000"/>
+                        </a:lnSpc>
+                        <a:spcBef>
+                          <a:spcPts val="0"/>
+                        </a:spcBef>
+                        <a:spcAft>
+                          <a:spcPts val="0"/>
+                        </a:spcAft>
+                        <a:buClrTx/>
+                        <a:buSzTx/>
+                        <a:buFontTx/>
+                        <a:buNone/>
+                        <a:tabLst/>
+                        <a:defRPr/>
+                      </a:pPr>
+                      <a:r>
+                        <a:rPr lang="en-US" dirty="0" err="1"/>
+                        <a:t>IntroSort</a:t>
+                      </a:r>
+                      <a:endParaRPr lang="en-US" dirty="0"/>
+                    </a:p>
+                  </a:txBody>
+                  <a:tcPr/>
+                </a:tc>
+                <a:tc>
+                  <a:txBody>
+                    <a:bodyPr/>
+                    <a:lstStyle/>
+                    <a:p>
+                      <a:r>
+                        <a:rPr lang="en-US" dirty="0"/>
+                        <a:t>89</a:t>
+                      </a:r>
+                    </a:p>
+                  </a:txBody>
+                  <a:tcPr/>
+                </a:tc>
+                <a:extLst>
+                  <a:ext uri="{0D108BD9-81ED-4DB2-BD59-A6C34878D82A}">
+                    <a16:rowId xmlns:a16="http://schemas.microsoft.com/office/drawing/2014/main" val="1798963582"/>
+                  </a:ext>
+                </a:extLst>
+              </a:tr>
+            </a:tbl>
+          </a:graphicData>
+        </a:graphic>
+      </p:graphicFrame>
+    </p:spTree>
+    <p:extLst>
+      <p:ext uri="{BB962C8B-B14F-4D97-AF65-F5344CB8AC3E}">
+        <p14:creationId xmlns:p14="http://schemas.microsoft.com/office/powerpoint/2010/main" val="1461763618"/>
+      </p:ext>
+    </p:extLst>
+  </p:cSld>
+  <p:clrMapOvr>
+    <a:masterClrMapping/>
+  </p:clrMapOvr>
+</p:sld>
+</file>
+
+<file path=ppt/slides/slide5.xml><?xml version="1.0" encoding="utf-8"?>
+<p:sld xmlns:a="http://schemas.openxmlformats.org/drawingml/2006/main" xmlns:r="http://schemas.openxmlformats.org/officeDocument/2006/relationships" xmlns:p="http://schemas.openxmlformats.org/presentationml/2006/main">
+  <p:cSld>
+    <p:spTree>
+      <p:nvGrpSpPr>
+        <p:cNvPr id="1" name=""/>
+        <p:cNvGrpSpPr/>
+        <p:nvPr/>
+      </p:nvGrpSpPr>
+      <p:grpSpPr>
+        <a:xfrm>
+          <a:off x="0" y="0"/>
+          <a:ext cx="0" cy="0"/>
+          <a:chOff x="0" y="0"/>
+          <a:chExt cx="0" cy="0"/>
+        </a:xfrm>
+      </p:grpSpPr>
+      <p:sp>
+        <p:nvSpPr>
+          <p:cNvPr id="2" name="Title 1">
+            <a:extLst>
+              <a:ext uri="{FF2B5EF4-FFF2-40B4-BE49-F238E27FC236}">
+                <a16:creationId xmlns:a16="http://schemas.microsoft.com/office/drawing/2014/main" id="{5185BB4E-8D45-49EA-859B-D23EA775DCA3}"/>
+              </a:ext>
+            </a:extLst>
+          </p:cNvPr>
+          <p:cNvSpPr>
+            <a:spLocks noGrp="1"/>
+          </p:cNvSpPr>
+          <p:nvPr>
+            <p:ph type="title"/>
+          </p:nvPr>
+        </p:nvSpPr>
+        <p:spPr>
+          <a:xfrm>
+            <a:off x="1261872" y="1037968"/>
+            <a:ext cx="8689436" cy="653354"/>
+          </a:xfrm>
+        </p:spPr>
+        <p:txBody>
+          <a:bodyPr>
+            <a:normAutofit/>
+          </a:bodyPr>
+          <a:lstStyle/>
+          <a:p>
+            <a:r>
+              <a:rPr lang="en-US" sz="3600" b="1" dirty="0">
+                <a:latin typeface="Liberation Sans" pitchFamily="18"/>
+                <a:ea typeface="Microsoft YaHei" pitchFamily="2"/>
+                <a:cs typeface="Mangal" pitchFamily="2"/>
+              </a:rPr>
+              <a:t>Test 2: Length =</a:t>
+            </a:r>
+            <a:r>
+              <a:rPr lang="en-US" sz="3600" dirty="0">
+                <a:latin typeface="Liberation Sans" pitchFamily="18"/>
+                <a:ea typeface="Microsoft YaHei" pitchFamily="2"/>
+                <a:cs typeface="Mangal" pitchFamily="2"/>
+              </a:rPr>
+              <a:t> </a:t>
+            </a:r>
+            <a:r>
+              <a:rPr lang="en-US" sz="3600" b="1" dirty="0">
+                <a:latin typeface="Liberation Sans" pitchFamily="18"/>
+                <a:ea typeface="Microsoft YaHei" pitchFamily="2"/>
+                <a:cs typeface="Mangal" pitchFamily="2"/>
+              </a:rPr>
+              <a:t>10 ^ 3, </a:t>
+            </a:r>
+            <a:r>
+              <a:rPr lang="en-US" sz="3600" b="1" dirty="0" err="1">
+                <a:latin typeface="Liberation Sans" pitchFamily="18"/>
+                <a:ea typeface="Microsoft YaHei" pitchFamily="2"/>
+                <a:cs typeface="Mangal" pitchFamily="2"/>
+              </a:rPr>
+              <a:t>Max_nr</a:t>
+            </a:r>
+            <a:r>
+              <a:rPr lang="en-US" sz="3600" b="1" dirty="0">
+                <a:latin typeface="Liberation Sans" pitchFamily="18"/>
+                <a:ea typeface="Microsoft YaHei" pitchFamily="2"/>
+                <a:cs typeface="Mangal" pitchFamily="2"/>
+              </a:rPr>
+              <a:t> = 2^31-1</a:t>
+            </a:r>
+            <a:endParaRPr lang="en-US" sz="3600" dirty="0"/>
+          </a:p>
+        </p:txBody>
+      </p:sp>
+      <p:sp>
+        <p:nvSpPr>
+          <p:cNvPr id="3" name="Content Placeholder 2">
+            <a:extLst>
+              <a:ext uri="{FF2B5EF4-FFF2-40B4-BE49-F238E27FC236}">
+                <a16:creationId xmlns:a16="http://schemas.microsoft.com/office/drawing/2014/main" id="{1AC50AC1-19A2-4BD5-BDC7-59C04125AC64}"/>
+              </a:ext>
+            </a:extLst>
+          </p:cNvPr>
+          <p:cNvSpPr>
+            <a:spLocks noGrp="1"/>
+          </p:cNvSpPr>
+          <p:nvPr>
+            <p:ph idx="1"/>
+          </p:nvPr>
+        </p:nvSpPr>
+        <p:spPr/>
+        <p:txBody>
+          <a:bodyPr/>
+          <a:lstStyle/>
+          <a:p>
+            <a:endParaRPr lang="en-US"/>
+          </a:p>
+        </p:txBody>
+      </p:sp>
+    </p:spTree>
+    <p:extLst>
+      <p:ext uri="{BB962C8B-B14F-4D97-AF65-F5344CB8AC3E}">
+        <p14:creationId xmlns:p14="http://schemas.microsoft.com/office/powerpoint/2010/main" val="109614986"/>
       </p:ext>
     </p:extLst>
   </p:cSld>

--- a/Proiect SD-Algoritmi de sortare.pptx
+++ b/Proiect SD-Algoritmi de sortare.pptx
@@ -10,6 +10,8 @@
     <p:sldId id="258" r:id="rId4"/>
     <p:sldId id="259" r:id="rId5"/>
     <p:sldId id="260" r:id="rId6"/>
+    <p:sldId id="261" r:id="rId7"/>
+    <p:sldId id="262" r:id="rId8"/>
   </p:sldIdLst>
   <p:sldSz cx="12192000" cy="6858000"/>
   <p:notesSz cx="6858000" cy="9144000"/>
@@ -4509,7 +4511,7 @@
             <p:ph idx="1"/>
             <p:extLst>
               <p:ext uri="{D42A27DB-BD31-4B8C-83A1-F6EECF244321}">
-                <p14:modId xmlns:p14="http://schemas.microsoft.com/office/powerpoint/2010/main" val="3065171314"/>
+                <p14:modId xmlns:p14="http://schemas.microsoft.com/office/powerpoint/2010/main" val="1116669839"/>
               </p:ext>
             </p:extLst>
           </p:nvPr>
@@ -4626,7 +4628,11 @@
                     <a:lstStyle/>
                     <a:p>
                       <a:r>
-                        <a:rPr lang="en-US" dirty="0"/>
+                        <a:rPr lang="en-US" dirty="0">
+                          <a:solidFill>
+                            <a:srgbClr val="00B050"/>
+                          </a:solidFill>
+                        </a:rPr>
                         <a:t>Count Sort</a:t>
                       </a:r>
                     </a:p>
@@ -4639,7 +4645,11 @@
                     <a:lstStyle/>
                     <a:p>
                       <a:r>
-                        <a:rPr lang="en-US" dirty="0"/>
+                        <a:rPr lang="en-US" dirty="0">
+                          <a:solidFill>
+                            <a:srgbClr val="00B050"/>
+                          </a:solidFill>
+                        </a:rPr>
                         <a:t>8</a:t>
                       </a:r>
                     </a:p>
@@ -4659,7 +4669,11 @@
                     <a:lstStyle/>
                     <a:p>
                       <a:r>
-                        <a:rPr lang="en-US" dirty="0"/>
+                        <a:rPr lang="en-US" dirty="0">
+                          <a:solidFill>
+                            <a:srgbClr val="FF0000"/>
+                          </a:solidFill>
+                        </a:rPr>
                         <a:t>Insertion Sort</a:t>
                       </a:r>
                     </a:p>
@@ -4689,7 +4703,11 @@
                         <a:defRPr/>
                       </a:pPr>
                       <a:r>
-                        <a:rPr lang="en-US" dirty="0"/>
+                        <a:rPr lang="en-US" dirty="0">
+                          <a:solidFill>
+                            <a:srgbClr val="FF0000"/>
+                          </a:solidFill>
+                        </a:rPr>
                         <a:t>281</a:t>
                       </a:r>
                     </a:p>
@@ -4924,7 +4942,7 @@
             <p:ph idx="1"/>
             <p:extLst>
               <p:ext uri="{D42A27DB-BD31-4B8C-83A1-F6EECF244321}">
-                <p14:modId xmlns:p14="http://schemas.microsoft.com/office/powerpoint/2010/main" val="1769603362"/>
+                <p14:modId xmlns:p14="http://schemas.microsoft.com/office/powerpoint/2010/main" val="3584665187"/>
               </p:ext>
             </p:extLst>
           </p:nvPr>
@@ -5075,7 +5093,11 @@
                         <a:defRPr/>
                       </a:pPr>
                       <a:r>
-                        <a:rPr lang="en-US" dirty="0"/>
+                        <a:rPr lang="en-US" dirty="0">
+                          <a:solidFill>
+                            <a:srgbClr val="FF0000"/>
+                          </a:solidFill>
+                        </a:rPr>
                         <a:t>Count Sort</a:t>
                       </a:r>
                     </a:p>
@@ -5088,32 +5110,59 @@
                     <a:lstStyle/>
                     <a:p>
                       <a:r>
-                        <a:rPr lang="en-US" dirty="0"/>
+                        <a:rPr lang="en-US" dirty="0">
+                          <a:solidFill>
+                            <a:srgbClr val="FF0000"/>
+                          </a:solidFill>
+                        </a:rPr>
                         <a:t>Nr </a:t>
                       </a:r>
                       <a:r>
-                        <a:rPr lang="en-US" dirty="0" err="1"/>
+                        <a:rPr lang="en-US" dirty="0" err="1">
+                          <a:solidFill>
+                            <a:srgbClr val="FF0000"/>
+                          </a:solidFill>
+                        </a:rPr>
                         <a:t>prea</a:t>
                       </a:r>
                       <a:r>
-                        <a:rPr lang="en-US" dirty="0"/>
+                        <a:rPr lang="en-US" dirty="0">
+                          <a:solidFill>
+                            <a:srgbClr val="FF0000"/>
+                          </a:solidFill>
+                        </a:rPr>
                         <a:t> </a:t>
                       </a:r>
                       <a:r>
-                        <a:rPr lang="en-US" dirty="0" err="1"/>
+                        <a:rPr lang="en-US" dirty="0" err="1">
+                          <a:solidFill>
+                            <a:srgbClr val="FF0000"/>
+                          </a:solidFill>
+                        </a:rPr>
                         <a:t>mari</a:t>
                       </a:r>
                       <a:r>
-                        <a:rPr lang="en-US" dirty="0"/>
+                        <a:rPr lang="en-US" dirty="0">
+                          <a:solidFill>
+                            <a:srgbClr val="FF0000"/>
+                          </a:solidFill>
+                        </a:rPr>
                         <a:t> </a:t>
                       </a:r>
                       <a:r>
                         <a:rPr lang="en-US" dirty="0">
+                          <a:solidFill>
+                            <a:srgbClr val="FF0000"/>
+                          </a:solidFill>
                           <a:sym typeface="Wingdings" panose="05000000000000000000" pitchFamily="2" charset="2"/>
                         </a:rPr>
                         <a:t> seg fault</a:t>
                       </a:r>
-                      <a:endParaRPr lang="en-US" dirty="0"/>
+                      <a:endParaRPr lang="en-US" dirty="0">
+                        <a:solidFill>
+                          <a:srgbClr val="FF0000"/>
+                        </a:solidFill>
+                      </a:endParaRPr>
                     </a:p>
                   </a:txBody>
                   <a:tcPr/>
@@ -5148,7 +5197,11 @@
                         <a:defRPr/>
                       </a:pPr>
                       <a:r>
-                        <a:rPr lang="en-US" dirty="0"/>
+                        <a:rPr lang="en-US" dirty="0">
+                          <a:solidFill>
+                            <a:srgbClr val="FF0000"/>
+                          </a:solidFill>
+                        </a:rPr>
                         <a:t>Insertion Sort</a:t>
                       </a:r>
                     </a:p>
@@ -5161,7 +5214,11 @@
                     <a:lstStyle/>
                     <a:p>
                       <a:r>
-                        <a:rPr lang="en-US" dirty="0"/>
+                        <a:rPr lang="en-US" dirty="0">
+                          <a:solidFill>
+                            <a:srgbClr val="FF0000"/>
+                          </a:solidFill>
+                        </a:rPr>
                         <a:t>274</a:t>
                       </a:r>
                     </a:p>
@@ -5248,7 +5305,11 @@
                         <a:defRPr/>
                       </a:pPr>
                       <a:r>
-                        <a:rPr lang="en-US" dirty="0"/>
+                        <a:rPr lang="en-US" dirty="0">
+                          <a:solidFill>
+                            <a:srgbClr val="00B050"/>
+                          </a:solidFill>
+                        </a:rPr>
                         <a:t>Shell Sort</a:t>
                       </a:r>
                     </a:p>
@@ -5261,7 +5322,11 @@
                     <a:lstStyle/>
                     <a:p>
                       <a:r>
-                        <a:rPr lang="en-US" dirty="0"/>
+                        <a:rPr lang="en-US" dirty="0">
+                          <a:solidFill>
+                            <a:srgbClr val="00B050"/>
+                          </a:solidFill>
+                        </a:rPr>
                         <a:t>72</a:t>
                       </a:r>
                     </a:p>
@@ -5393,7 +5458,7 @@
                 <a:ea typeface="Microsoft YaHei" pitchFamily="2"/>
                 <a:cs typeface="Mangal" pitchFamily="2"/>
               </a:rPr>
-              <a:t>Test 2: Length =</a:t>
+              <a:t>Test 3: Length =</a:t>
             </a:r>
             <a:r>
               <a:rPr lang="en-US" sz="3600" dirty="0">
@@ -5409,7 +5474,7 @@
                 <a:ea typeface="Microsoft YaHei" pitchFamily="2"/>
                 <a:cs typeface="Mangal" pitchFamily="2"/>
               </a:rPr>
-              <a:t>10 ^ 3, </a:t>
+              <a:t>10 ^ 7, </a:t>
             </a:r>
             <a:r>
               <a:rPr lang="en-US" sz="3600" b="1" dirty="0" err="1">
@@ -5425,18 +5490,546 @@
                 <a:ea typeface="Microsoft YaHei" pitchFamily="2"/>
                 <a:cs typeface="Mangal" pitchFamily="2"/>
               </a:rPr>
-              <a:t> = 2^31-1</a:t>
+              <a:t> = 10^6</a:t>
             </a:r>
             <a:endParaRPr lang="en-US" sz="3600" dirty="0"/>
           </a:p>
         </p:txBody>
       </p:sp>
-      <p:sp>
-        <p:nvSpPr>
-          <p:cNvPr id="3" name="Content Placeholder 2">
+      <p:graphicFrame>
+        <p:nvGraphicFramePr>
+          <p:cNvPr id="4" name="Content Placeholder 3">
             <a:extLst>
               <a:ext uri="{FF2B5EF4-FFF2-40B4-BE49-F238E27FC236}">
-                <a16:creationId xmlns:a16="http://schemas.microsoft.com/office/drawing/2014/main" id="{1AC50AC1-19A2-4BD5-BDC7-59C04125AC64}"/>
+                <a16:creationId xmlns:a16="http://schemas.microsoft.com/office/drawing/2014/main" id="{6E755A66-CAAB-4D25-9851-E90FCFFAB3DE}"/>
+              </a:ext>
+            </a:extLst>
+          </p:cNvPr>
+          <p:cNvGraphicFramePr>
+            <a:graphicFrameLocks noGrp="1"/>
+          </p:cNvGraphicFramePr>
+          <p:nvPr>
+            <p:ph idx="1"/>
+            <p:extLst>
+              <p:ext uri="{D42A27DB-BD31-4B8C-83A1-F6EECF244321}">
+                <p14:modId xmlns:p14="http://schemas.microsoft.com/office/powerpoint/2010/main" val="1134662751"/>
+              </p:ext>
+            </p:extLst>
+          </p:nvPr>
+        </p:nvGraphicFramePr>
+        <p:xfrm>
+          <a:off x="1441622" y="1828799"/>
+          <a:ext cx="8415168" cy="3979932"/>
+        </p:xfrm>
+        <a:graphic>
+          <a:graphicData uri="http://schemas.openxmlformats.org/drawingml/2006/table">
+            <a:tbl>
+              <a:tblPr firstRow="1" bandRow="1">
+                <a:tableStyleId>{5C22544A-7EE6-4342-B048-85BDC9FD1C3A}</a:tableStyleId>
+              </a:tblPr>
+              <a:tblGrid>
+                <a:gridCol w="4045582">
+                  <a:extLst>
+                    <a:ext uri="{9D8B030D-6E8A-4147-A177-3AD203B41FA5}">
+                      <a16:colId xmlns:a16="http://schemas.microsoft.com/office/drawing/2014/main" val="1222092042"/>
+                    </a:ext>
+                  </a:extLst>
+                </a:gridCol>
+                <a:gridCol w="4369586">
+                  <a:extLst>
+                    <a:ext uri="{9D8B030D-6E8A-4147-A177-3AD203B41FA5}">
+                      <a16:colId xmlns:a16="http://schemas.microsoft.com/office/drawing/2014/main" val="3388643087"/>
+                    </a:ext>
+                  </a:extLst>
+                </a:gridCol>
+              </a:tblGrid>
+              <a:tr h="556642">
+                <a:tc>
+                  <a:txBody>
+                    <a:bodyPr/>
+                    <a:lstStyle/>
+                    <a:p>
+                      <a:r>
+                        <a:rPr lang="en-US" dirty="0" err="1"/>
+                        <a:t>Sortare</a:t>
+                      </a:r>
+                      <a:endParaRPr lang="en-US" dirty="0"/>
+                    </a:p>
+                  </a:txBody>
+                  <a:tcPr/>
+                </a:tc>
+                <a:tc>
+                  <a:txBody>
+                    <a:bodyPr/>
+                    <a:lstStyle/>
+                    <a:p>
+                      <a:pPr marL="0" marR="0" lvl="0" indent="0" algn="l" defTabSz="914400" rtl="0" eaLnBrk="1" fontAlgn="auto" latinLnBrk="0" hangingPunct="1">
+                        <a:lnSpc>
+                          <a:spcPct val="100000"/>
+                        </a:lnSpc>
+                        <a:spcBef>
+                          <a:spcPts val="0"/>
+                        </a:spcBef>
+                        <a:spcAft>
+                          <a:spcPts val="0"/>
+                        </a:spcAft>
+                        <a:buClrTx/>
+                        <a:buSzTx/>
+                        <a:buFontTx/>
+                        <a:buNone/>
+                        <a:tabLst/>
+                        <a:defRPr/>
+                      </a:pPr>
+                      <a:r>
+                        <a:rPr lang="en-US" dirty="0" err="1"/>
+                        <a:t>Timp</a:t>
+                      </a:r>
+                      <a:r>
+                        <a:rPr lang="en-US" dirty="0"/>
+                        <a:t> (micro </a:t>
+                      </a:r>
+                      <a:r>
+                        <a:rPr lang="en-US" dirty="0" err="1"/>
+                        <a:t>secunde</a:t>
+                      </a:r>
+                      <a:r>
+                        <a:rPr lang="en-US" dirty="0"/>
+                        <a:t>)</a:t>
+                      </a:r>
+                    </a:p>
+                  </a:txBody>
+                  <a:tcPr/>
+                </a:tc>
+                <a:extLst>
+                  <a:ext uri="{0D108BD9-81ED-4DB2-BD59-A6C34878D82A}">
+                    <a16:rowId xmlns:a16="http://schemas.microsoft.com/office/drawing/2014/main" val="2046503860"/>
+                  </a:ext>
+                </a:extLst>
+              </a:tr>
+              <a:tr h="556642">
+                <a:tc>
+                  <a:txBody>
+                    <a:bodyPr/>
+                    <a:lstStyle/>
+                    <a:p>
+                      <a:pPr marL="0" marR="0" lvl="0" indent="0" algn="l" defTabSz="914400" rtl="0" eaLnBrk="1" fontAlgn="auto" latinLnBrk="0" hangingPunct="1">
+                        <a:lnSpc>
+                          <a:spcPct val="100000"/>
+                        </a:lnSpc>
+                        <a:spcBef>
+                          <a:spcPts val="0"/>
+                        </a:spcBef>
+                        <a:spcAft>
+                          <a:spcPts val="0"/>
+                        </a:spcAft>
+                        <a:buClrTx/>
+                        <a:buSzTx/>
+                        <a:buFontTx/>
+                        <a:buNone/>
+                        <a:tabLst/>
+                        <a:defRPr/>
+                      </a:pPr>
+                      <a:r>
+                        <a:rPr lang="en-US" dirty="0"/>
+                        <a:t>Merge Sort</a:t>
+                      </a:r>
+                    </a:p>
+                  </a:txBody>
+                  <a:tcPr/>
+                </a:tc>
+                <a:tc>
+                  <a:txBody>
+                    <a:bodyPr/>
+                    <a:lstStyle/>
+                    <a:p>
+                      <a:r>
+                        <a:rPr lang="en-US" dirty="0"/>
+                        <a:t>1176598</a:t>
+                      </a:r>
+                    </a:p>
+                  </a:txBody>
+                  <a:tcPr/>
+                </a:tc>
+                <a:extLst>
+                  <a:ext uri="{0D108BD9-81ED-4DB2-BD59-A6C34878D82A}">
+                    <a16:rowId xmlns:a16="http://schemas.microsoft.com/office/drawing/2014/main" val="122745264"/>
+                  </a:ext>
+                </a:extLst>
+              </a:tr>
+              <a:tr h="556642">
+                <a:tc>
+                  <a:txBody>
+                    <a:bodyPr/>
+                    <a:lstStyle/>
+                    <a:p>
+                      <a:pPr marL="0" marR="0" lvl="0" indent="0" algn="l" defTabSz="914400" rtl="0" eaLnBrk="1" fontAlgn="auto" latinLnBrk="0" hangingPunct="1">
+                        <a:lnSpc>
+                          <a:spcPct val="100000"/>
+                        </a:lnSpc>
+                        <a:spcBef>
+                          <a:spcPts val="0"/>
+                        </a:spcBef>
+                        <a:spcAft>
+                          <a:spcPts val="0"/>
+                        </a:spcAft>
+                        <a:buClrTx/>
+                        <a:buSzTx/>
+                        <a:buFontTx/>
+                        <a:buNone/>
+                        <a:tabLst/>
+                        <a:defRPr/>
+                      </a:pPr>
+                      <a:r>
+                        <a:rPr lang="en-US" dirty="0">
+                          <a:solidFill>
+                            <a:srgbClr val="00B050"/>
+                          </a:solidFill>
+                        </a:rPr>
+                        <a:t>Count Sort</a:t>
+                      </a:r>
+                    </a:p>
+                  </a:txBody>
+                  <a:tcPr/>
+                </a:tc>
+                <a:tc>
+                  <a:txBody>
+                    <a:bodyPr/>
+                    <a:lstStyle/>
+                    <a:p>
+                      <a:r>
+                        <a:rPr lang="en-US" dirty="0">
+                          <a:solidFill>
+                            <a:srgbClr val="00B050"/>
+                          </a:solidFill>
+                        </a:rPr>
+                        <a:t>19064</a:t>
+                      </a:r>
+                    </a:p>
+                  </a:txBody>
+                  <a:tcPr/>
+                </a:tc>
+                <a:extLst>
+                  <a:ext uri="{0D108BD9-81ED-4DB2-BD59-A6C34878D82A}">
+                    <a16:rowId xmlns:a16="http://schemas.microsoft.com/office/drawing/2014/main" val="510519188"/>
+                  </a:ext>
+                </a:extLst>
+              </a:tr>
+              <a:tr h="556642">
+                <a:tc>
+                  <a:txBody>
+                    <a:bodyPr/>
+                    <a:lstStyle/>
+                    <a:p>
+                      <a:pPr marL="0" marR="0" lvl="0" indent="0" algn="l" defTabSz="914400" rtl="0" eaLnBrk="1" fontAlgn="auto" latinLnBrk="0" hangingPunct="1">
+                        <a:lnSpc>
+                          <a:spcPct val="100000"/>
+                        </a:lnSpc>
+                        <a:spcBef>
+                          <a:spcPts val="0"/>
+                        </a:spcBef>
+                        <a:spcAft>
+                          <a:spcPts val="0"/>
+                        </a:spcAft>
+                        <a:buClrTx/>
+                        <a:buSzTx/>
+                        <a:buFontTx/>
+                        <a:buNone/>
+                        <a:tabLst/>
+                        <a:defRPr/>
+                      </a:pPr>
+                      <a:r>
+                        <a:rPr lang="en-US" dirty="0">
+                          <a:solidFill>
+                            <a:srgbClr val="FF0000"/>
+                          </a:solidFill>
+                        </a:rPr>
+                        <a:t>Insertion Sort</a:t>
+                      </a:r>
+                    </a:p>
+                  </a:txBody>
+                  <a:tcPr/>
+                </a:tc>
+                <a:tc>
+                  <a:txBody>
+                    <a:bodyPr/>
+                    <a:lstStyle/>
+                    <a:p>
+                      <a:r>
+                        <a:rPr lang="en-US" dirty="0" err="1">
+                          <a:solidFill>
+                            <a:srgbClr val="FF0000"/>
+                          </a:solidFill>
+                        </a:rPr>
+                        <a:t>Dureaza</a:t>
+                      </a:r>
+                      <a:r>
+                        <a:rPr lang="en-US" dirty="0">
+                          <a:solidFill>
+                            <a:srgbClr val="FF0000"/>
+                          </a:solidFill>
+                        </a:rPr>
+                        <a:t> </a:t>
+                      </a:r>
+                      <a:r>
+                        <a:rPr lang="en-US" dirty="0" err="1">
+                          <a:solidFill>
+                            <a:srgbClr val="FF0000"/>
+                          </a:solidFill>
+                        </a:rPr>
+                        <a:t>foarte</a:t>
+                      </a:r>
+                      <a:r>
+                        <a:rPr lang="en-US" dirty="0">
+                          <a:solidFill>
+                            <a:srgbClr val="FF0000"/>
+                          </a:solidFill>
+                        </a:rPr>
+                        <a:t> </a:t>
+                      </a:r>
+                      <a:r>
+                        <a:rPr lang="en-US" dirty="0" err="1">
+                          <a:solidFill>
+                            <a:srgbClr val="FF0000"/>
+                          </a:solidFill>
+                        </a:rPr>
+                        <a:t>mult</a:t>
+                      </a:r>
+                      <a:r>
+                        <a:rPr lang="en-US" dirty="0">
+                          <a:solidFill>
+                            <a:srgbClr val="FF0000"/>
+                          </a:solidFill>
+                        </a:rPr>
+                        <a:t> </a:t>
+                      </a:r>
+                      <a:r>
+                        <a:rPr lang="en-US" dirty="0" err="1">
+                          <a:solidFill>
+                            <a:srgbClr val="FF0000"/>
+                          </a:solidFill>
+                        </a:rPr>
+                        <a:t>sortarea</a:t>
+                      </a:r>
+                      <a:endParaRPr lang="en-US" dirty="0">
+                        <a:solidFill>
+                          <a:srgbClr val="FF0000"/>
+                        </a:solidFill>
+                      </a:endParaRPr>
+                    </a:p>
+                  </a:txBody>
+                  <a:tcPr/>
+                </a:tc>
+                <a:extLst>
+                  <a:ext uri="{0D108BD9-81ED-4DB2-BD59-A6C34878D82A}">
+                    <a16:rowId xmlns:a16="http://schemas.microsoft.com/office/drawing/2014/main" val="2351385395"/>
+                  </a:ext>
+                </a:extLst>
+              </a:tr>
+              <a:tr h="556642">
+                <a:tc>
+                  <a:txBody>
+                    <a:bodyPr/>
+                    <a:lstStyle/>
+                    <a:p>
+                      <a:pPr marL="0" marR="0" lvl="0" indent="0" algn="l" defTabSz="914400" rtl="0" eaLnBrk="1" fontAlgn="auto" latinLnBrk="0" hangingPunct="1">
+                        <a:lnSpc>
+                          <a:spcPct val="100000"/>
+                        </a:lnSpc>
+                        <a:spcBef>
+                          <a:spcPts val="0"/>
+                        </a:spcBef>
+                        <a:spcAft>
+                          <a:spcPts val="0"/>
+                        </a:spcAft>
+                        <a:buClrTx/>
+                        <a:buSzTx/>
+                        <a:buFontTx/>
+                        <a:buNone/>
+                        <a:tabLst/>
+                        <a:defRPr/>
+                      </a:pPr>
+                      <a:r>
+                        <a:rPr lang="en-US" dirty="0"/>
+                        <a:t>Radix Sort</a:t>
+                      </a:r>
+                    </a:p>
+                  </a:txBody>
+                  <a:tcPr/>
+                </a:tc>
+                <a:tc>
+                  <a:txBody>
+                    <a:bodyPr/>
+                    <a:lstStyle/>
+                    <a:p>
+                      <a:r>
+                        <a:rPr lang="en-US" dirty="0"/>
+                        <a:t>B10:1483932 ; </a:t>
+                      </a:r>
+                    </a:p>
+                    <a:p>
+                      <a:r>
+                        <a:rPr lang="en-US" dirty="0"/>
+                        <a:t>B16:1108708 </a:t>
+                      </a:r>
+                    </a:p>
+                  </a:txBody>
+                  <a:tcPr/>
+                </a:tc>
+                <a:extLst>
+                  <a:ext uri="{0D108BD9-81ED-4DB2-BD59-A6C34878D82A}">
+                    <a16:rowId xmlns:a16="http://schemas.microsoft.com/office/drawing/2014/main" val="4261304041"/>
+                  </a:ext>
+                </a:extLst>
+              </a:tr>
+              <a:tr h="556642">
+                <a:tc>
+                  <a:txBody>
+                    <a:bodyPr/>
+                    <a:lstStyle/>
+                    <a:p>
+                      <a:pPr marL="0" marR="0" lvl="0" indent="0" algn="l" defTabSz="914400" rtl="0" eaLnBrk="1" fontAlgn="auto" latinLnBrk="0" hangingPunct="1">
+                        <a:lnSpc>
+                          <a:spcPct val="100000"/>
+                        </a:lnSpc>
+                        <a:spcBef>
+                          <a:spcPts val="0"/>
+                        </a:spcBef>
+                        <a:spcAft>
+                          <a:spcPts val="0"/>
+                        </a:spcAft>
+                        <a:buClrTx/>
+                        <a:buSzTx/>
+                        <a:buFontTx/>
+                        <a:buNone/>
+                        <a:tabLst/>
+                        <a:defRPr/>
+                      </a:pPr>
+                      <a:r>
+                        <a:rPr lang="en-US" dirty="0">
+                          <a:solidFill>
+                            <a:srgbClr val="FF0000"/>
+                          </a:solidFill>
+                        </a:rPr>
+                        <a:t>Shell Sort</a:t>
+                      </a:r>
+                    </a:p>
+                  </a:txBody>
+                  <a:tcPr/>
+                </a:tc>
+                <a:tc>
+                  <a:txBody>
+                    <a:bodyPr/>
+                    <a:lstStyle/>
+                    <a:p>
+                      <a:r>
+                        <a:rPr lang="en-US" dirty="0">
+                          <a:solidFill>
+                            <a:srgbClr val="FF0000"/>
+                          </a:solidFill>
+                        </a:rPr>
+                        <a:t>2635770</a:t>
+                      </a:r>
+                    </a:p>
+                  </a:txBody>
+                  <a:tcPr/>
+                </a:tc>
+                <a:extLst>
+                  <a:ext uri="{0D108BD9-81ED-4DB2-BD59-A6C34878D82A}">
+                    <a16:rowId xmlns:a16="http://schemas.microsoft.com/office/drawing/2014/main" val="4128025299"/>
+                  </a:ext>
+                </a:extLst>
+              </a:tr>
+              <a:tr h="556642">
+                <a:tc>
+                  <a:txBody>
+                    <a:bodyPr/>
+                    <a:lstStyle/>
+                    <a:p>
+                      <a:pPr marL="0" marR="0" lvl="0" indent="0" algn="l" defTabSz="914400" rtl="0" eaLnBrk="1" fontAlgn="auto" latinLnBrk="0" hangingPunct="1">
+                        <a:lnSpc>
+                          <a:spcPct val="100000"/>
+                        </a:lnSpc>
+                        <a:spcBef>
+                          <a:spcPts val="0"/>
+                        </a:spcBef>
+                        <a:spcAft>
+                          <a:spcPts val="0"/>
+                        </a:spcAft>
+                        <a:buClrTx/>
+                        <a:buSzTx/>
+                        <a:buFontTx/>
+                        <a:buNone/>
+                        <a:tabLst/>
+                        <a:defRPr/>
+                      </a:pPr>
+                      <a:r>
+                        <a:rPr lang="en-US" dirty="0" err="1"/>
+                        <a:t>IntroSort</a:t>
+                      </a:r>
+                      <a:endParaRPr lang="en-US" dirty="0"/>
+                    </a:p>
+                  </a:txBody>
+                  <a:tcPr/>
+                </a:tc>
+                <a:tc>
+                  <a:txBody>
+                    <a:bodyPr/>
+                    <a:lstStyle/>
+                    <a:p>
+                      <a:r>
+                        <a:rPr lang="en-US" dirty="0"/>
+                        <a:t>1298661</a:t>
+                      </a:r>
+                    </a:p>
+                  </a:txBody>
+                  <a:tcPr/>
+                </a:tc>
+                <a:extLst>
+                  <a:ext uri="{0D108BD9-81ED-4DB2-BD59-A6C34878D82A}">
+                    <a16:rowId xmlns:a16="http://schemas.microsoft.com/office/drawing/2014/main" val="866671028"/>
+                  </a:ext>
+                </a:extLst>
+              </a:tr>
+            </a:tbl>
+          </a:graphicData>
+        </a:graphic>
+      </p:graphicFrame>
+    </p:spTree>
+    <p:extLst>
+      <p:ext uri="{BB962C8B-B14F-4D97-AF65-F5344CB8AC3E}">
+        <p14:creationId xmlns:p14="http://schemas.microsoft.com/office/powerpoint/2010/main" val="109614986"/>
+      </p:ext>
+    </p:extLst>
+  </p:cSld>
+  <p:clrMapOvr>
+    <a:masterClrMapping/>
+  </p:clrMapOvr>
+</p:sld>
+</file>
+
+<file path=ppt/slides/slide6.xml><?xml version="1.0" encoding="utf-8"?>
+<p:sld xmlns:a="http://schemas.openxmlformats.org/drawingml/2006/main" xmlns:r="http://schemas.openxmlformats.org/officeDocument/2006/relationships" xmlns:p="http://schemas.openxmlformats.org/presentationml/2006/main">
+  <p:cSld>
+    <p:spTree>
+      <p:nvGrpSpPr>
+        <p:cNvPr id="1" name=""/>
+        <p:cNvGrpSpPr/>
+        <p:nvPr/>
+      </p:nvGrpSpPr>
+      <p:grpSpPr>
+        <a:xfrm>
+          <a:off x="0" y="0"/>
+          <a:ext cx="0" cy="0"/>
+          <a:chOff x="0" y="0"/>
+          <a:chExt cx="0" cy="0"/>
+        </a:xfrm>
+      </p:grpSpPr>
+      <p:sp>
+        <p:nvSpPr>
+          <p:cNvPr id="2" name="Title 1">
+            <a:extLst>
+              <a:ext uri="{FF2B5EF4-FFF2-40B4-BE49-F238E27FC236}">
+                <a16:creationId xmlns:a16="http://schemas.microsoft.com/office/drawing/2014/main" id="{3508599F-009D-439B-92A4-6E9EF71B4C50}"/>
               </a:ext>
             </a:extLst>
           </p:cNvPr>
@@ -5444,7 +6037,622 @@
             <a:spLocks noGrp="1"/>
           </p:cNvSpPr>
           <p:nvPr>
+            <p:ph type="title"/>
+          </p:nvPr>
+        </p:nvSpPr>
+        <p:spPr>
+          <a:xfrm>
+            <a:off x="1261872" y="972064"/>
+            <a:ext cx="8804766" cy="719257"/>
+          </a:xfrm>
+        </p:spPr>
+        <p:txBody>
+          <a:bodyPr>
+            <a:normAutofit/>
+          </a:bodyPr>
+          <a:lstStyle/>
+          <a:p>
+            <a:r>
+              <a:rPr lang="en-US" sz="3600" b="1" dirty="0">
+                <a:latin typeface="Liberation Sans" pitchFamily="18"/>
+                <a:ea typeface="Microsoft YaHei" pitchFamily="2"/>
+                <a:cs typeface="Mangal" pitchFamily="2"/>
+              </a:rPr>
+              <a:t>Test 3: Length =</a:t>
+            </a:r>
+            <a:r>
+              <a:rPr lang="en-US" sz="3600" dirty="0">
+                <a:latin typeface="Liberation Sans" pitchFamily="18"/>
+                <a:ea typeface="Microsoft YaHei" pitchFamily="2"/>
+                <a:cs typeface="Mangal" pitchFamily="2"/>
+              </a:rPr>
+              <a:t> </a:t>
+            </a:r>
+            <a:r>
+              <a:rPr lang="en-US" sz="3600" b="1" dirty="0">
+                <a:latin typeface="Liberation Sans" pitchFamily="18"/>
+                <a:ea typeface="Microsoft YaHei" pitchFamily="2"/>
+                <a:cs typeface="Mangal" pitchFamily="2"/>
+              </a:rPr>
+              <a:t>10 ^ 7, </a:t>
+            </a:r>
+            <a:r>
+              <a:rPr lang="en-US" sz="3600" b="1" dirty="0" err="1">
+                <a:latin typeface="Liberation Sans" pitchFamily="18"/>
+                <a:ea typeface="Microsoft YaHei" pitchFamily="2"/>
+                <a:cs typeface="Mangal" pitchFamily="2"/>
+              </a:rPr>
+              <a:t>Max_nr</a:t>
+            </a:r>
+            <a:r>
+              <a:rPr lang="en-US" sz="3600" b="1" dirty="0">
+                <a:latin typeface="Liberation Sans" pitchFamily="18"/>
+                <a:ea typeface="Microsoft YaHei" pitchFamily="2"/>
+                <a:cs typeface="Mangal" pitchFamily="2"/>
+              </a:rPr>
+              <a:t> = 2^31 -1</a:t>
+            </a:r>
+            <a:endParaRPr lang="en-US" sz="3600" dirty="0"/>
+          </a:p>
+        </p:txBody>
+      </p:sp>
+      <p:graphicFrame>
+        <p:nvGraphicFramePr>
+          <p:cNvPr id="4" name="Content Placeholder 3">
+            <a:extLst>
+              <a:ext uri="{FF2B5EF4-FFF2-40B4-BE49-F238E27FC236}">
+                <a16:creationId xmlns:a16="http://schemas.microsoft.com/office/drawing/2014/main" id="{27236950-2BC5-49A1-9F09-7F72A5523B4B}"/>
+              </a:ext>
+            </a:extLst>
+          </p:cNvPr>
+          <p:cNvGraphicFramePr>
+            <a:graphicFrameLocks noGrp="1"/>
+          </p:cNvGraphicFramePr>
+          <p:nvPr>
             <p:ph idx="1"/>
+            <p:extLst>
+              <p:ext uri="{D42A27DB-BD31-4B8C-83A1-F6EECF244321}">
+                <p14:modId xmlns:p14="http://schemas.microsoft.com/office/powerpoint/2010/main" val="673915718"/>
+              </p:ext>
+            </p:extLst>
+          </p:nvPr>
+        </p:nvGraphicFramePr>
+        <p:xfrm>
+          <a:off x="1262063" y="1828800"/>
+          <a:ext cx="8594726" cy="4389474"/>
+        </p:xfrm>
+        <a:graphic>
+          <a:graphicData uri="http://schemas.openxmlformats.org/drawingml/2006/table">
+            <a:tbl>
+              <a:tblPr firstRow="1" bandRow="1">
+                <a:tableStyleId>{5C22544A-7EE6-4342-B048-85BDC9FD1C3A}</a:tableStyleId>
+              </a:tblPr>
+              <a:tblGrid>
+                <a:gridCol w="4297363">
+                  <a:extLst>
+                    <a:ext uri="{9D8B030D-6E8A-4147-A177-3AD203B41FA5}">
+                      <a16:colId xmlns:a16="http://schemas.microsoft.com/office/drawing/2014/main" val="2192396339"/>
+                    </a:ext>
+                  </a:extLst>
+                </a:gridCol>
+                <a:gridCol w="4297363">
+                  <a:extLst>
+                    <a:ext uri="{9D8B030D-6E8A-4147-A177-3AD203B41FA5}">
+                      <a16:colId xmlns:a16="http://schemas.microsoft.com/office/drawing/2014/main" val="691153601"/>
+                    </a:ext>
+                  </a:extLst>
+                </a:gridCol>
+              </a:tblGrid>
+              <a:tr h="624899">
+                <a:tc>
+                  <a:txBody>
+                    <a:bodyPr/>
+                    <a:lstStyle/>
+                    <a:p>
+                      <a:r>
+                        <a:rPr lang="en-US" dirty="0" err="1"/>
+                        <a:t>Sortare</a:t>
+                      </a:r>
+                      <a:endParaRPr lang="en-US" dirty="0"/>
+                    </a:p>
+                  </a:txBody>
+                  <a:tcPr/>
+                </a:tc>
+                <a:tc>
+                  <a:txBody>
+                    <a:bodyPr/>
+                    <a:lstStyle/>
+                    <a:p>
+                      <a:r>
+                        <a:rPr lang="en-US" dirty="0" err="1"/>
+                        <a:t>Timpi</a:t>
+                      </a:r>
+                      <a:r>
+                        <a:rPr lang="en-US" dirty="0"/>
+                        <a:t> (micro </a:t>
+                      </a:r>
+                      <a:r>
+                        <a:rPr lang="en-US" dirty="0" err="1"/>
+                        <a:t>secunde</a:t>
+                      </a:r>
+                      <a:r>
+                        <a:rPr lang="en-US" dirty="0"/>
+                        <a:t>)</a:t>
+                      </a:r>
+                    </a:p>
+                  </a:txBody>
+                  <a:tcPr/>
+                </a:tc>
+                <a:extLst>
+                  <a:ext uri="{0D108BD9-81ED-4DB2-BD59-A6C34878D82A}">
+                    <a16:rowId xmlns:a16="http://schemas.microsoft.com/office/drawing/2014/main" val="3544577215"/>
+                  </a:ext>
+                </a:extLst>
+              </a:tr>
+              <a:tr h="624899">
+                <a:tc>
+                  <a:txBody>
+                    <a:bodyPr/>
+                    <a:lstStyle/>
+                    <a:p>
+                      <a:pPr marL="0" marR="0" lvl="0" indent="0" algn="l" defTabSz="914400" rtl="0" eaLnBrk="1" fontAlgn="auto" latinLnBrk="0" hangingPunct="1">
+                        <a:lnSpc>
+                          <a:spcPct val="100000"/>
+                        </a:lnSpc>
+                        <a:spcBef>
+                          <a:spcPts val="0"/>
+                        </a:spcBef>
+                        <a:spcAft>
+                          <a:spcPts val="0"/>
+                        </a:spcAft>
+                        <a:buClrTx/>
+                        <a:buSzTx/>
+                        <a:buFontTx/>
+                        <a:buNone/>
+                        <a:tabLst/>
+                        <a:defRPr/>
+                      </a:pPr>
+                      <a:r>
+                        <a:rPr lang="en-US" dirty="0">
+                          <a:solidFill>
+                            <a:srgbClr val="00B050"/>
+                          </a:solidFill>
+                        </a:rPr>
+                        <a:t>Merge Sort</a:t>
+                      </a:r>
+                    </a:p>
+                  </a:txBody>
+                  <a:tcPr/>
+                </a:tc>
+                <a:tc>
+                  <a:txBody>
+                    <a:bodyPr/>
+                    <a:lstStyle/>
+                    <a:p>
+                      <a:r>
+                        <a:rPr lang="en-US" dirty="0">
+                          <a:solidFill>
+                            <a:srgbClr val="00B050"/>
+                          </a:solidFill>
+                        </a:rPr>
+                        <a:t>1177741</a:t>
+                      </a:r>
+                    </a:p>
+                  </a:txBody>
+                  <a:tcPr/>
+                </a:tc>
+                <a:extLst>
+                  <a:ext uri="{0D108BD9-81ED-4DB2-BD59-A6C34878D82A}">
+                    <a16:rowId xmlns:a16="http://schemas.microsoft.com/office/drawing/2014/main" val="1954630315"/>
+                  </a:ext>
+                </a:extLst>
+              </a:tr>
+              <a:tr h="624899">
+                <a:tc>
+                  <a:txBody>
+                    <a:bodyPr/>
+                    <a:lstStyle/>
+                    <a:p>
+                      <a:pPr marL="0" marR="0" lvl="0" indent="0" algn="l" defTabSz="914400" rtl="0" eaLnBrk="1" fontAlgn="auto" latinLnBrk="0" hangingPunct="1">
+                        <a:lnSpc>
+                          <a:spcPct val="100000"/>
+                        </a:lnSpc>
+                        <a:spcBef>
+                          <a:spcPts val="0"/>
+                        </a:spcBef>
+                        <a:spcAft>
+                          <a:spcPts val="0"/>
+                        </a:spcAft>
+                        <a:buClrTx/>
+                        <a:buSzTx/>
+                        <a:buFontTx/>
+                        <a:buNone/>
+                        <a:tabLst/>
+                        <a:defRPr/>
+                      </a:pPr>
+                      <a:r>
+                        <a:rPr lang="en-US" dirty="0">
+                          <a:solidFill>
+                            <a:srgbClr val="FF0000"/>
+                          </a:solidFill>
+                        </a:rPr>
+                        <a:t>Count Sort</a:t>
+                      </a:r>
+                    </a:p>
+                  </a:txBody>
+                  <a:tcPr/>
+                </a:tc>
+                <a:tc>
+                  <a:txBody>
+                    <a:bodyPr/>
+                    <a:lstStyle/>
+                    <a:p>
+                      <a:r>
+                        <a:rPr lang="en-US" dirty="0" err="1">
+                          <a:solidFill>
+                            <a:srgbClr val="FF0000"/>
+                          </a:solidFill>
+                        </a:rPr>
+                        <a:t>Numere</a:t>
+                      </a:r>
+                      <a:r>
+                        <a:rPr lang="en-US" dirty="0">
+                          <a:solidFill>
+                            <a:srgbClr val="FF0000"/>
+                          </a:solidFill>
+                        </a:rPr>
+                        <a:t> </a:t>
+                      </a:r>
+                      <a:r>
+                        <a:rPr lang="en-US" dirty="0" err="1">
+                          <a:solidFill>
+                            <a:srgbClr val="FF0000"/>
+                          </a:solidFill>
+                        </a:rPr>
+                        <a:t>prea</a:t>
+                      </a:r>
+                      <a:r>
+                        <a:rPr lang="en-US" dirty="0">
+                          <a:solidFill>
+                            <a:srgbClr val="FF0000"/>
+                          </a:solidFill>
+                        </a:rPr>
+                        <a:t> </a:t>
+                      </a:r>
+                      <a:r>
+                        <a:rPr lang="en-US" dirty="0" err="1">
+                          <a:solidFill>
+                            <a:srgbClr val="FF0000"/>
+                          </a:solidFill>
+                        </a:rPr>
+                        <a:t>mari</a:t>
+                      </a:r>
+                      <a:r>
+                        <a:rPr lang="en-US" dirty="0">
+                          <a:solidFill>
+                            <a:srgbClr val="FF0000"/>
+                          </a:solidFill>
+                        </a:rPr>
+                        <a:t> da Seg Fault</a:t>
+                      </a:r>
+                    </a:p>
+                  </a:txBody>
+                  <a:tcPr/>
+                </a:tc>
+                <a:extLst>
+                  <a:ext uri="{0D108BD9-81ED-4DB2-BD59-A6C34878D82A}">
+                    <a16:rowId xmlns:a16="http://schemas.microsoft.com/office/drawing/2014/main" val="2128655381"/>
+                  </a:ext>
+                </a:extLst>
+              </a:tr>
+              <a:tr h="624899">
+                <a:tc>
+                  <a:txBody>
+                    <a:bodyPr/>
+                    <a:lstStyle/>
+                    <a:p>
+                      <a:pPr marL="0" marR="0" lvl="0" indent="0" algn="l" defTabSz="914400" rtl="0" eaLnBrk="1" fontAlgn="auto" latinLnBrk="0" hangingPunct="1">
+                        <a:lnSpc>
+                          <a:spcPct val="100000"/>
+                        </a:lnSpc>
+                        <a:spcBef>
+                          <a:spcPts val="0"/>
+                        </a:spcBef>
+                        <a:spcAft>
+                          <a:spcPts val="0"/>
+                        </a:spcAft>
+                        <a:buClrTx/>
+                        <a:buSzTx/>
+                        <a:buFontTx/>
+                        <a:buNone/>
+                        <a:tabLst/>
+                        <a:defRPr/>
+                      </a:pPr>
+                      <a:r>
+                        <a:rPr lang="en-US" dirty="0">
+                          <a:solidFill>
+                            <a:srgbClr val="FF0000"/>
+                          </a:solidFill>
+                        </a:rPr>
+                        <a:t>Insertion Sort</a:t>
+                      </a:r>
+                    </a:p>
+                  </a:txBody>
+                  <a:tcPr/>
+                </a:tc>
+                <a:tc>
+                  <a:txBody>
+                    <a:bodyPr/>
+                    <a:lstStyle/>
+                    <a:p>
+                      <a:r>
+                        <a:rPr lang="en-US" dirty="0" err="1">
+                          <a:solidFill>
+                            <a:srgbClr val="FF0000"/>
+                          </a:solidFill>
+                        </a:rPr>
+                        <a:t>Dureaza</a:t>
+                      </a:r>
+                      <a:r>
+                        <a:rPr lang="en-US" dirty="0">
+                          <a:solidFill>
+                            <a:srgbClr val="FF0000"/>
+                          </a:solidFill>
+                        </a:rPr>
+                        <a:t> </a:t>
+                      </a:r>
+                      <a:r>
+                        <a:rPr lang="en-US" dirty="0" err="1">
+                          <a:solidFill>
+                            <a:srgbClr val="FF0000"/>
+                          </a:solidFill>
+                        </a:rPr>
+                        <a:t>prea</a:t>
+                      </a:r>
+                      <a:r>
+                        <a:rPr lang="en-US" dirty="0">
+                          <a:solidFill>
+                            <a:srgbClr val="FF0000"/>
+                          </a:solidFill>
+                        </a:rPr>
+                        <a:t> </a:t>
+                      </a:r>
+                      <a:r>
+                        <a:rPr lang="en-US" dirty="0" err="1">
+                          <a:solidFill>
+                            <a:srgbClr val="FF0000"/>
+                          </a:solidFill>
+                        </a:rPr>
+                        <a:t>mult</a:t>
+                      </a:r>
+                      <a:endParaRPr lang="en-US" dirty="0">
+                        <a:solidFill>
+                          <a:srgbClr val="FF0000"/>
+                        </a:solidFill>
+                      </a:endParaRPr>
+                    </a:p>
+                  </a:txBody>
+                  <a:tcPr/>
+                </a:tc>
+                <a:extLst>
+                  <a:ext uri="{0D108BD9-81ED-4DB2-BD59-A6C34878D82A}">
+                    <a16:rowId xmlns:a16="http://schemas.microsoft.com/office/drawing/2014/main" val="3881924130"/>
+                  </a:ext>
+                </a:extLst>
+              </a:tr>
+              <a:tr h="624899">
+                <a:tc>
+                  <a:txBody>
+                    <a:bodyPr/>
+                    <a:lstStyle/>
+                    <a:p>
+                      <a:pPr marL="0" marR="0" lvl="0" indent="0" algn="l" defTabSz="914400" rtl="0" eaLnBrk="1" fontAlgn="auto" latinLnBrk="0" hangingPunct="1">
+                        <a:lnSpc>
+                          <a:spcPct val="100000"/>
+                        </a:lnSpc>
+                        <a:spcBef>
+                          <a:spcPts val="0"/>
+                        </a:spcBef>
+                        <a:spcAft>
+                          <a:spcPts val="0"/>
+                        </a:spcAft>
+                        <a:buClrTx/>
+                        <a:buSzTx/>
+                        <a:buFontTx/>
+                        <a:buNone/>
+                        <a:tabLst/>
+                        <a:defRPr/>
+                      </a:pPr>
+                      <a:r>
+                        <a:rPr lang="en-US" dirty="0"/>
+                        <a:t>Radix Sort</a:t>
+                      </a:r>
+                    </a:p>
+                  </a:txBody>
+                  <a:tcPr/>
+                </a:tc>
+                <a:tc>
+                  <a:txBody>
+                    <a:bodyPr/>
+                    <a:lstStyle/>
+                    <a:p>
+                      <a:r>
+                        <a:rPr lang="en-US" dirty="0"/>
+                        <a:t>B10: 2007038 ;</a:t>
+                      </a:r>
+                    </a:p>
+                    <a:p>
+                      <a:r>
+                        <a:rPr lang="en-US" dirty="0"/>
+                        <a:t>B16: 1348352</a:t>
+                      </a:r>
+                    </a:p>
+                  </a:txBody>
+                  <a:tcPr/>
+                </a:tc>
+                <a:extLst>
+                  <a:ext uri="{0D108BD9-81ED-4DB2-BD59-A6C34878D82A}">
+                    <a16:rowId xmlns:a16="http://schemas.microsoft.com/office/drawing/2014/main" val="3425769756"/>
+                  </a:ext>
+                </a:extLst>
+              </a:tr>
+              <a:tr h="624899">
+                <a:tc>
+                  <a:txBody>
+                    <a:bodyPr/>
+                    <a:lstStyle/>
+                    <a:p>
+                      <a:pPr marL="0" marR="0" lvl="0" indent="0" algn="l" defTabSz="914400" rtl="0" eaLnBrk="1" fontAlgn="auto" latinLnBrk="0" hangingPunct="1">
+                        <a:lnSpc>
+                          <a:spcPct val="100000"/>
+                        </a:lnSpc>
+                        <a:spcBef>
+                          <a:spcPts val="0"/>
+                        </a:spcBef>
+                        <a:spcAft>
+                          <a:spcPts val="0"/>
+                        </a:spcAft>
+                        <a:buClrTx/>
+                        <a:buSzTx/>
+                        <a:buFontTx/>
+                        <a:buNone/>
+                        <a:tabLst/>
+                        <a:defRPr/>
+                      </a:pPr>
+                      <a:r>
+                        <a:rPr lang="en-US" dirty="0">
+                          <a:solidFill>
+                            <a:srgbClr val="FF0000"/>
+                          </a:solidFill>
+                        </a:rPr>
+                        <a:t>Shell Sort</a:t>
+                      </a:r>
+                    </a:p>
+                  </a:txBody>
+                  <a:tcPr/>
+                </a:tc>
+                <a:tc>
+                  <a:txBody>
+                    <a:bodyPr/>
+                    <a:lstStyle/>
+                    <a:p>
+                      <a:r>
+                        <a:rPr lang="en-US" dirty="0">
+                          <a:solidFill>
+                            <a:srgbClr val="FF0000"/>
+                          </a:solidFill>
+                        </a:rPr>
+                        <a:t>2627015</a:t>
+                      </a:r>
+                    </a:p>
+                  </a:txBody>
+                  <a:tcPr/>
+                </a:tc>
+                <a:extLst>
+                  <a:ext uri="{0D108BD9-81ED-4DB2-BD59-A6C34878D82A}">
+                    <a16:rowId xmlns:a16="http://schemas.microsoft.com/office/drawing/2014/main" val="17646517"/>
+                  </a:ext>
+                </a:extLst>
+              </a:tr>
+              <a:tr h="624899">
+                <a:tc>
+                  <a:txBody>
+                    <a:bodyPr/>
+                    <a:lstStyle/>
+                    <a:p>
+                      <a:pPr marL="0" marR="0" lvl="0" indent="0" algn="l" defTabSz="914400" rtl="0" eaLnBrk="1" fontAlgn="auto" latinLnBrk="0" hangingPunct="1">
+                        <a:lnSpc>
+                          <a:spcPct val="100000"/>
+                        </a:lnSpc>
+                        <a:spcBef>
+                          <a:spcPts val="0"/>
+                        </a:spcBef>
+                        <a:spcAft>
+                          <a:spcPts val="0"/>
+                        </a:spcAft>
+                        <a:buClrTx/>
+                        <a:buSzTx/>
+                        <a:buFontTx/>
+                        <a:buNone/>
+                        <a:tabLst/>
+                        <a:defRPr/>
+                      </a:pPr>
+                      <a:r>
+                        <a:rPr lang="en-US" dirty="0" err="1"/>
+                        <a:t>IntroSort</a:t>
+                      </a:r>
+                      <a:endParaRPr lang="en-US" dirty="0"/>
+                    </a:p>
+                  </a:txBody>
+                  <a:tcPr/>
+                </a:tc>
+                <a:tc>
+                  <a:txBody>
+                    <a:bodyPr/>
+                    <a:lstStyle/>
+                    <a:p>
+                      <a:r>
+                        <a:rPr lang="en-US" dirty="0"/>
+                        <a:t>1316756</a:t>
+                      </a:r>
+                    </a:p>
+                  </a:txBody>
+                  <a:tcPr/>
+                </a:tc>
+                <a:extLst>
+                  <a:ext uri="{0D108BD9-81ED-4DB2-BD59-A6C34878D82A}">
+                    <a16:rowId xmlns:a16="http://schemas.microsoft.com/office/drawing/2014/main" val="300558135"/>
+                  </a:ext>
+                </a:extLst>
+              </a:tr>
+            </a:tbl>
+          </a:graphicData>
+        </a:graphic>
+      </p:graphicFrame>
+    </p:spTree>
+    <p:extLst>
+      <p:ext uri="{BB962C8B-B14F-4D97-AF65-F5344CB8AC3E}">
+        <p14:creationId xmlns:p14="http://schemas.microsoft.com/office/powerpoint/2010/main" val="1212440714"/>
+      </p:ext>
+    </p:extLst>
+  </p:cSld>
+  <p:clrMapOvr>
+    <a:masterClrMapping/>
+  </p:clrMapOvr>
+</p:sld>
+</file>
+
+<file path=ppt/slides/slide7.xml><?xml version="1.0" encoding="utf-8"?>
+<p:sld xmlns:a="http://schemas.openxmlformats.org/drawingml/2006/main" xmlns:r="http://schemas.openxmlformats.org/officeDocument/2006/relationships" xmlns:p="http://schemas.openxmlformats.org/presentationml/2006/main">
+  <p:cSld>
+    <p:spTree>
+      <p:nvGrpSpPr>
+        <p:cNvPr id="1" name=""/>
+        <p:cNvGrpSpPr/>
+        <p:nvPr/>
+      </p:nvGrpSpPr>
+      <p:grpSpPr>
+        <a:xfrm>
+          <a:off x="0" y="0"/>
+          <a:ext cx="0" cy="0"/>
+          <a:chOff x="0" y="0"/>
+          <a:chExt cx="0" cy="0"/>
+        </a:xfrm>
+      </p:grpSpPr>
+      <p:sp>
+        <p:nvSpPr>
+          <p:cNvPr id="2" name="Title 1">
+            <a:extLst>
+              <a:ext uri="{FF2B5EF4-FFF2-40B4-BE49-F238E27FC236}">
+                <a16:creationId xmlns:a16="http://schemas.microsoft.com/office/drawing/2014/main" id="{9236847D-2D22-41FF-BB2C-235A38306816}"/>
+              </a:ext>
+            </a:extLst>
+          </p:cNvPr>
+          <p:cNvSpPr>
+            <a:spLocks noGrp="1"/>
+          </p:cNvSpPr>
+          <p:nvPr>
+            <p:ph type="title"/>
           </p:nvPr>
         </p:nvSpPr>
         <p:spPr/>
@@ -5452,14 +6660,466 @@
           <a:bodyPr/>
           <a:lstStyle/>
           <a:p>
-            <a:endParaRPr lang="en-US"/>
+            <a:r>
+              <a:rPr lang="en-US" dirty="0" err="1"/>
+              <a:t>Concluzii</a:t>
+            </a:r>
+            <a:endParaRPr lang="en-US" dirty="0"/>
+          </a:p>
+        </p:txBody>
+      </p:sp>
+      <p:sp>
+        <p:nvSpPr>
+          <p:cNvPr id="3" name="Content Placeholder 2">
+            <a:extLst>
+              <a:ext uri="{FF2B5EF4-FFF2-40B4-BE49-F238E27FC236}">
+                <a16:creationId xmlns:a16="http://schemas.microsoft.com/office/drawing/2014/main" id="{B2774328-EE99-4174-A911-0501A6425A45}"/>
+              </a:ext>
+            </a:extLst>
+          </p:cNvPr>
+          <p:cNvSpPr>
+            <a:spLocks noGrp="1"/>
+          </p:cNvSpPr>
+          <p:nvPr>
+            <p:ph idx="1"/>
+          </p:nvPr>
+        </p:nvSpPr>
+        <p:spPr/>
+        <p:txBody>
+          <a:bodyPr/>
+          <a:lstStyle/>
+          <a:p>
+            <a:r>
+              <a:rPr lang="en-US" b="1" dirty="0"/>
+              <a:t>Count Sort </a:t>
+            </a:r>
+            <a:r>
+              <a:rPr lang="en-US" dirty="0" err="1"/>
+              <a:t>este</a:t>
+            </a:r>
+            <a:r>
+              <a:rPr lang="en-US" dirty="0"/>
+              <a:t> </a:t>
+            </a:r>
+            <a:r>
+              <a:rPr lang="en-US" dirty="0" err="1"/>
+              <a:t>extrem</a:t>
+            </a:r>
+            <a:r>
+              <a:rPr lang="en-US" dirty="0"/>
+              <a:t> de </a:t>
+            </a:r>
+            <a:r>
+              <a:rPr lang="en-US" dirty="0" err="1"/>
+              <a:t>eficient</a:t>
+            </a:r>
+            <a:r>
+              <a:rPr lang="en-US" dirty="0"/>
+              <a:t> </a:t>
+            </a:r>
+            <a:r>
+              <a:rPr lang="en-US" dirty="0" err="1"/>
+              <a:t>pentru</a:t>
+            </a:r>
+            <a:r>
+              <a:rPr lang="en-US" dirty="0"/>
+              <a:t> </a:t>
+            </a:r>
+            <a:r>
+              <a:rPr lang="en-US" dirty="0" err="1"/>
+              <a:t>numerele</a:t>
+            </a:r>
+            <a:r>
+              <a:rPr lang="en-US" dirty="0"/>
+              <a:t> in </a:t>
+            </a:r>
+            <a:r>
+              <a:rPr lang="en-US" dirty="0" err="1"/>
+              <a:t>valoare</a:t>
+            </a:r>
+            <a:r>
+              <a:rPr lang="en-US" dirty="0"/>
+              <a:t> </a:t>
+            </a:r>
+            <a:r>
+              <a:rPr lang="en-US" dirty="0" err="1"/>
+              <a:t>mai</a:t>
+            </a:r>
+            <a:r>
+              <a:rPr lang="en-US" dirty="0"/>
+              <a:t> mica de 10^6, </a:t>
+            </a:r>
+            <a:r>
+              <a:rPr lang="en-US" dirty="0" err="1"/>
+              <a:t>fiind</a:t>
+            </a:r>
+            <a:r>
+              <a:rPr lang="en-US" dirty="0"/>
+              <a:t> </a:t>
+            </a:r>
+            <a:r>
+              <a:rPr lang="en-US" dirty="0" err="1"/>
+              <a:t>mult</a:t>
+            </a:r>
+            <a:r>
+              <a:rPr lang="en-US" dirty="0"/>
+              <a:t> </a:t>
+            </a:r>
+            <a:r>
+              <a:rPr lang="en-US" dirty="0" err="1"/>
+              <a:t>mai</a:t>
+            </a:r>
+            <a:r>
+              <a:rPr lang="en-US" dirty="0"/>
+              <a:t> rapid </a:t>
+            </a:r>
+            <a:r>
+              <a:rPr lang="en-US" dirty="0" err="1"/>
+              <a:t>si</a:t>
+            </a:r>
+            <a:r>
+              <a:rPr lang="en-US" dirty="0"/>
+              <a:t> </a:t>
+            </a:r>
+            <a:r>
+              <a:rPr lang="en-US" dirty="0" err="1"/>
+              <a:t>decat</a:t>
+            </a:r>
+            <a:r>
+              <a:rPr lang="en-US" dirty="0"/>
+              <a:t> </a:t>
+            </a:r>
+            <a:r>
+              <a:rPr lang="en-US" b="1" dirty="0" err="1"/>
+              <a:t>IntroSort</a:t>
+            </a:r>
+            <a:r>
+              <a:rPr lang="en-US" dirty="0"/>
+              <a:t> </a:t>
+            </a:r>
+            <a:r>
+              <a:rPr lang="en-US" dirty="0" err="1"/>
+              <a:t>folosit</a:t>
+            </a:r>
+            <a:r>
+              <a:rPr lang="en-US" dirty="0"/>
+              <a:t> de </a:t>
+            </a:r>
+            <a:r>
+              <a:rPr lang="en-US" dirty="0" err="1"/>
+              <a:t>c++</a:t>
+            </a:r>
+            <a:r>
+              <a:rPr lang="en-US" dirty="0"/>
+              <a:t>. In </a:t>
+            </a:r>
+            <a:r>
+              <a:rPr lang="en-US" dirty="0" err="1"/>
+              <a:t>schimb</a:t>
+            </a:r>
+            <a:r>
+              <a:rPr lang="en-US" dirty="0"/>
+              <a:t>, </a:t>
+            </a:r>
+            <a:r>
+              <a:rPr lang="en-US" dirty="0" err="1"/>
+              <a:t>pentru</a:t>
+            </a:r>
+            <a:r>
+              <a:rPr lang="en-US" dirty="0"/>
+              <a:t> </a:t>
+            </a:r>
+            <a:r>
+              <a:rPr lang="en-US" dirty="0" err="1"/>
+              <a:t>numere</a:t>
+            </a:r>
+            <a:r>
+              <a:rPr lang="en-US" dirty="0"/>
+              <a:t> </a:t>
+            </a:r>
+            <a:r>
+              <a:rPr lang="en-US" dirty="0" err="1"/>
+              <a:t>mai</a:t>
+            </a:r>
+            <a:r>
+              <a:rPr lang="en-US" dirty="0"/>
+              <a:t> </a:t>
+            </a:r>
+            <a:r>
+              <a:rPr lang="en-US" dirty="0" err="1"/>
+              <a:t>mari</a:t>
+            </a:r>
+            <a:r>
+              <a:rPr lang="en-US" dirty="0"/>
+              <a:t> de 10^6 nu </a:t>
+            </a:r>
+            <a:r>
+              <a:rPr lang="en-US" dirty="0" err="1"/>
+              <a:t>mai</a:t>
+            </a:r>
+            <a:r>
+              <a:rPr lang="en-US" dirty="0"/>
+              <a:t> are loc in </a:t>
+            </a:r>
+            <a:r>
+              <a:rPr lang="en-US" dirty="0" err="1"/>
+              <a:t>stiva</a:t>
+            </a:r>
+            <a:r>
+              <a:rPr lang="en-US" dirty="0"/>
+              <a:t>.</a:t>
+            </a:r>
+          </a:p>
+          <a:p>
+            <a:r>
+              <a:rPr lang="en-US" dirty="0"/>
+              <a:t> </a:t>
+            </a:r>
+            <a:r>
+              <a:rPr lang="en-US" b="1" dirty="0"/>
+              <a:t>Shell Sort </a:t>
+            </a:r>
+            <a:r>
+              <a:rPr lang="en-US" dirty="0" err="1"/>
+              <a:t>este</a:t>
+            </a:r>
+            <a:r>
+              <a:rPr lang="en-US" dirty="0"/>
+              <a:t> </a:t>
+            </a:r>
+            <a:r>
+              <a:rPr lang="en-US" dirty="0" err="1"/>
+              <a:t>mai</a:t>
+            </a:r>
+            <a:r>
+              <a:rPr lang="en-US" dirty="0"/>
+              <a:t> efficient cu </a:t>
+            </a:r>
+            <a:r>
+              <a:rPr lang="en-US" dirty="0" err="1"/>
+              <a:t>putin</a:t>
+            </a:r>
+            <a:r>
+              <a:rPr lang="en-US" dirty="0"/>
+              <a:t> </a:t>
+            </a:r>
+            <a:r>
+              <a:rPr lang="en-US" dirty="0" err="1"/>
+              <a:t>decat</a:t>
+            </a:r>
+            <a:r>
+              <a:rPr lang="en-US" dirty="0"/>
+              <a:t> </a:t>
+            </a:r>
+            <a:r>
+              <a:rPr lang="en-US" b="1" dirty="0" err="1"/>
+              <a:t>IntroSort</a:t>
+            </a:r>
+            <a:r>
+              <a:rPr lang="en-US" dirty="0"/>
+              <a:t> </a:t>
+            </a:r>
+            <a:r>
+              <a:rPr lang="en-US" dirty="0" err="1"/>
+              <a:t>cand</a:t>
+            </a:r>
+            <a:r>
+              <a:rPr lang="en-US" dirty="0"/>
+              <a:t> </a:t>
+            </a:r>
+            <a:r>
+              <a:rPr lang="en-US" dirty="0" err="1"/>
+              <a:t>lungimea</a:t>
+            </a:r>
+            <a:r>
+              <a:rPr lang="en-US" dirty="0"/>
+              <a:t> </a:t>
+            </a:r>
+            <a:r>
+              <a:rPr lang="en-US" dirty="0" err="1"/>
+              <a:t>vectorului</a:t>
+            </a:r>
+            <a:r>
+              <a:rPr lang="en-US" dirty="0"/>
+              <a:t> </a:t>
+            </a:r>
+            <a:r>
+              <a:rPr lang="en-US" dirty="0" err="1"/>
+              <a:t>este</a:t>
+            </a:r>
+            <a:r>
+              <a:rPr lang="en-US" dirty="0"/>
+              <a:t> </a:t>
+            </a:r>
+            <a:r>
+              <a:rPr lang="en-US" dirty="0" err="1"/>
+              <a:t>mai</a:t>
+            </a:r>
+            <a:r>
+              <a:rPr lang="en-US" dirty="0"/>
+              <a:t> mica </a:t>
+            </a:r>
+            <a:r>
+              <a:rPr lang="en-US" dirty="0" err="1"/>
+              <a:t>decat</a:t>
+            </a:r>
+            <a:r>
+              <a:rPr lang="en-US" dirty="0"/>
+              <a:t> 10^6.</a:t>
+            </a:r>
+          </a:p>
+          <a:p>
+            <a:r>
+              <a:rPr lang="en-US" dirty="0" err="1"/>
+              <a:t>Pentru</a:t>
+            </a:r>
+            <a:r>
+              <a:rPr lang="en-US" dirty="0"/>
+              <a:t> </a:t>
+            </a:r>
+            <a:r>
+              <a:rPr lang="en-US" dirty="0" err="1"/>
+              <a:t>lungime</a:t>
+            </a:r>
+            <a:r>
+              <a:rPr lang="en-US" dirty="0"/>
+              <a:t> de 10^7 </a:t>
+            </a:r>
+            <a:r>
+              <a:rPr lang="en-US" dirty="0" err="1"/>
+              <a:t>si</a:t>
+            </a:r>
+            <a:r>
+              <a:rPr lang="en-US" dirty="0"/>
+              <a:t> </a:t>
+            </a:r>
+            <a:r>
+              <a:rPr lang="en-US" dirty="0" err="1"/>
+              <a:t>numere</a:t>
+            </a:r>
+            <a:r>
+              <a:rPr lang="en-US" dirty="0"/>
+              <a:t> </a:t>
+            </a:r>
+            <a:r>
+              <a:rPr lang="en-US" dirty="0" err="1"/>
+              <a:t>pana</a:t>
+            </a:r>
+            <a:r>
+              <a:rPr lang="en-US" dirty="0"/>
+              <a:t> in 2^31-1 </a:t>
+            </a:r>
+            <a:r>
+              <a:rPr lang="en-US" b="1" dirty="0"/>
+              <a:t>Merge Sort</a:t>
+            </a:r>
+            <a:r>
+              <a:rPr lang="en-US" dirty="0"/>
+              <a:t> a </a:t>
+            </a:r>
+            <a:r>
+              <a:rPr lang="en-US" dirty="0" err="1"/>
+              <a:t>iesit</a:t>
+            </a:r>
+            <a:r>
+              <a:rPr lang="en-US" dirty="0"/>
+              <a:t> </a:t>
+            </a:r>
+            <a:r>
+              <a:rPr lang="en-US" dirty="0" err="1"/>
+              <a:t>cel</a:t>
+            </a:r>
+            <a:r>
+              <a:rPr lang="en-US" dirty="0"/>
+              <a:t> </a:t>
+            </a:r>
+            <a:r>
+              <a:rPr lang="en-US" dirty="0" err="1"/>
+              <a:t>mai</a:t>
+            </a:r>
+            <a:r>
+              <a:rPr lang="en-US" dirty="0"/>
+              <a:t> efficient </a:t>
+            </a:r>
+            <a:r>
+              <a:rPr lang="en-US" dirty="0" err="1"/>
+              <a:t>algoritm</a:t>
+            </a:r>
+            <a:r>
+              <a:rPr lang="en-US" dirty="0"/>
+              <a:t> din </a:t>
+            </a:r>
+            <a:r>
+              <a:rPr lang="en-US" dirty="0" err="1"/>
+              <a:t>punct</a:t>
+            </a:r>
+            <a:r>
+              <a:rPr lang="en-US" dirty="0"/>
+              <a:t> de </a:t>
+            </a:r>
+            <a:r>
+              <a:rPr lang="en-US" dirty="0" err="1"/>
+              <a:t>vedere</a:t>
+            </a:r>
+            <a:r>
+              <a:rPr lang="en-US" dirty="0"/>
+              <a:t> al </a:t>
+            </a:r>
+            <a:r>
+              <a:rPr lang="en-US" dirty="0" err="1"/>
+              <a:t>timpului</a:t>
+            </a:r>
+            <a:r>
+              <a:rPr lang="en-US" dirty="0"/>
+              <a:t> </a:t>
+            </a:r>
+            <a:r>
+              <a:rPr lang="en-US" dirty="0" err="1"/>
+              <a:t>fiind</a:t>
+            </a:r>
+            <a:r>
+              <a:rPr lang="en-US" dirty="0"/>
+              <a:t> </a:t>
+            </a:r>
+            <a:r>
+              <a:rPr lang="en-US" dirty="0" err="1"/>
+              <a:t>mai</a:t>
+            </a:r>
+            <a:r>
+              <a:rPr lang="en-US" dirty="0"/>
+              <a:t> </a:t>
+            </a:r>
+            <a:r>
+              <a:rPr lang="en-US" dirty="0" err="1"/>
+              <a:t>eficient</a:t>
+            </a:r>
+            <a:r>
+              <a:rPr lang="en-US" dirty="0"/>
+              <a:t> cu 11.8% </a:t>
+            </a:r>
+            <a:r>
+              <a:rPr lang="en-US" dirty="0" err="1"/>
+              <a:t>decat</a:t>
+            </a:r>
+            <a:r>
+              <a:rPr lang="en-US" dirty="0"/>
+              <a:t> </a:t>
+            </a:r>
+            <a:r>
+              <a:rPr lang="en-US" b="1" dirty="0" err="1"/>
+              <a:t>IntroSort</a:t>
+            </a:r>
+            <a:r>
+              <a:rPr lang="en-US" dirty="0"/>
+              <a:t>.</a:t>
+            </a:r>
           </a:p>
         </p:txBody>
       </p:sp>
     </p:spTree>
     <p:extLst>
       <p:ext uri="{BB962C8B-B14F-4D97-AF65-F5344CB8AC3E}">
-        <p14:creationId xmlns:p14="http://schemas.microsoft.com/office/powerpoint/2010/main" val="109614986"/>
+        <p14:creationId xmlns:p14="http://schemas.microsoft.com/office/powerpoint/2010/main" val="662456334"/>
       </p:ext>
     </p:extLst>
   </p:cSld>
